--- a/2022년 3월 18일 도면해석자동화.pptx
+++ b/2022년 3월 18일 도면해석자동화.pptx
@@ -163,7 +163,7 @@
   </p:defaultTextStyle>
   <p:extLst>
     <p:ext uri="{EFAFB233-063F-42B5-8137-9DF3F51BA10A}">
-      <p15:sldGuideLst xmlns:p15="http://schemas.microsoft.com/office/powerpoint/2012/main" xmlns="">
+      <p15:sldGuideLst xmlns="" xmlns:p15="http://schemas.microsoft.com/office/powerpoint/2012/main">
         <p15:guide id="1" orient="horz" pos="2183">
           <p15:clr>
             <a:srgbClr val="A4A3A4"/>
@@ -210,7 +210,7 @@
           <p:cNvPr id="2" name="머리글 개체 틀 1">
             <a:extLst>
               <a:ext uri="{FF2B5EF4-FFF2-40B4-BE49-F238E27FC236}">
-                <a16:creationId xmlns:a16="http://schemas.microsoft.com/office/drawing/2014/main" xmlns="" id="{287CA362-7CB5-4FDE-8422-6D501F2B929E}"/>
+                <a16:creationId xmlns="" xmlns:a16="http://schemas.microsoft.com/office/drawing/2014/main" id="{287CA362-7CB5-4FDE-8422-6D501F2B929E}"/>
               </a:ext>
             </a:extLst>
           </p:cNvPr>
@@ -260,7 +260,7 @@
           <p:cNvPr id="3" name="날짜 개체 틀 2">
             <a:extLst>
               <a:ext uri="{FF2B5EF4-FFF2-40B4-BE49-F238E27FC236}">
-                <a16:creationId xmlns:a16="http://schemas.microsoft.com/office/drawing/2014/main" xmlns="" id="{E322444C-B2A3-49D2-A8CC-34A2926BB152}"/>
+                <a16:creationId xmlns="" xmlns:a16="http://schemas.microsoft.com/office/drawing/2014/main" id="{E322444C-B2A3-49D2-A8CC-34A2926BB152}"/>
               </a:ext>
             </a:extLst>
           </p:cNvPr>
@@ -317,7 +317,7 @@
           <p:cNvPr id="4" name="슬라이드 이미지 개체 틀 3">
             <a:extLst>
               <a:ext uri="{FF2B5EF4-FFF2-40B4-BE49-F238E27FC236}">
-                <a16:creationId xmlns:a16="http://schemas.microsoft.com/office/drawing/2014/main" xmlns="" id="{EF5D7D69-CCA7-4FFD-AACE-006591B7A1CD}"/>
+                <a16:creationId xmlns="" xmlns:a16="http://schemas.microsoft.com/office/drawing/2014/main" id="{EF5D7D69-CCA7-4FFD-AACE-006591B7A1CD}"/>
               </a:ext>
             </a:extLst>
           </p:cNvPr>
@@ -357,7 +357,7 @@
           <p:cNvPr id="5" name="슬라이드 노트 개체 틀 4">
             <a:extLst>
               <a:ext uri="{FF2B5EF4-FFF2-40B4-BE49-F238E27FC236}">
-                <a16:creationId xmlns:a16="http://schemas.microsoft.com/office/drawing/2014/main" xmlns="" id="{2E2B224A-7249-4FD1-9BF3-4A1E1A7AE69C}"/>
+                <a16:creationId xmlns="" xmlns:a16="http://schemas.microsoft.com/office/drawing/2014/main" id="{2E2B224A-7249-4FD1-9BF3-4A1E1A7AE69C}"/>
               </a:ext>
             </a:extLst>
           </p:cNvPr>
@@ -424,7 +424,7 @@
           <p:cNvPr id="6" name="바닥글 개체 틀 5">
             <a:extLst>
               <a:ext uri="{FF2B5EF4-FFF2-40B4-BE49-F238E27FC236}">
-                <a16:creationId xmlns:a16="http://schemas.microsoft.com/office/drawing/2014/main" xmlns="" id="{EF776ED5-775B-445F-9261-AD8BC6D995BE}"/>
+                <a16:creationId xmlns="" xmlns:a16="http://schemas.microsoft.com/office/drawing/2014/main" id="{EF776ED5-775B-445F-9261-AD8BC6D995BE}"/>
               </a:ext>
             </a:extLst>
           </p:cNvPr>
@@ -474,7 +474,7 @@
           <p:cNvPr id="7" name="슬라이드 번호 개체 틀 6">
             <a:extLst>
               <a:ext uri="{FF2B5EF4-FFF2-40B4-BE49-F238E27FC236}">
-                <a16:creationId xmlns:a16="http://schemas.microsoft.com/office/drawing/2014/main" xmlns="" id="{BC38B30F-022E-41AE-9A8D-B483784FA018}"/>
+                <a16:creationId xmlns="" xmlns:a16="http://schemas.microsoft.com/office/drawing/2014/main" id="{BC38B30F-022E-41AE-9A8D-B483784FA018}"/>
               </a:ext>
             </a:extLst>
           </p:cNvPr>
@@ -763,7 +763,7 @@
           <p:cNvPr id="4" name="날짜 개체 틀 3">
             <a:extLst>
               <a:ext uri="{FF2B5EF4-FFF2-40B4-BE49-F238E27FC236}">
-                <a16:creationId xmlns:a16="http://schemas.microsoft.com/office/drawing/2014/main" xmlns="" id="{9F494846-E0BE-42D2-AA61-8BACA907F86B}"/>
+                <a16:creationId xmlns="" xmlns:a16="http://schemas.microsoft.com/office/drawing/2014/main" id="{9F494846-E0BE-42D2-AA61-8BACA907F86B}"/>
               </a:ext>
             </a:extLst>
           </p:cNvPr>
@@ -802,7 +802,7 @@
           <p:cNvPr id="5" name="바닥글 개체 틀 4">
             <a:extLst>
               <a:ext uri="{FF2B5EF4-FFF2-40B4-BE49-F238E27FC236}">
-                <a16:creationId xmlns:a16="http://schemas.microsoft.com/office/drawing/2014/main" xmlns="" id="{01CF1C6F-DBD0-41CC-9579-2E79CEDFFD39}"/>
+                <a16:creationId xmlns="" xmlns:a16="http://schemas.microsoft.com/office/drawing/2014/main" id="{01CF1C6F-DBD0-41CC-9579-2E79CEDFFD39}"/>
               </a:ext>
             </a:extLst>
           </p:cNvPr>
@@ -834,7 +834,7 @@
           <p:cNvPr id="6" name="슬라이드 번호 개체 틀 5">
             <a:extLst>
               <a:ext uri="{FF2B5EF4-FFF2-40B4-BE49-F238E27FC236}">
-                <a16:creationId xmlns:a16="http://schemas.microsoft.com/office/drawing/2014/main" xmlns="" id="{003E4ED8-FEA8-41FB-AD0C-70A62874B05A}"/>
+                <a16:creationId xmlns="" xmlns:a16="http://schemas.microsoft.com/office/drawing/2014/main" id="{003E4ED8-FEA8-41FB-AD0C-70A62874B05A}"/>
               </a:ext>
             </a:extLst>
           </p:cNvPr>
@@ -866,7 +866,7 @@
     </p:spTree>
     <p:extLst>
       <p:ext uri="{BB962C8B-B14F-4D97-AF65-F5344CB8AC3E}">
-        <p14:creationId xmlns:p14="http://schemas.microsoft.com/office/powerpoint/2010/main" xmlns="" val="1892420423"/>
+        <p14:creationId xmlns="" xmlns:p14="http://schemas.microsoft.com/office/powerpoint/2010/main" val="1892420423"/>
       </p:ext>
     </p:extLst>
   </p:cSld>
@@ -971,7 +971,7 @@
           <p:cNvPr id="4" name="날짜 개체 틀 3">
             <a:extLst>
               <a:ext uri="{FF2B5EF4-FFF2-40B4-BE49-F238E27FC236}">
-                <a16:creationId xmlns:a16="http://schemas.microsoft.com/office/drawing/2014/main" xmlns="" id="{66E6D84F-CF3D-46FA-8A04-A1A056CDB643}"/>
+                <a16:creationId xmlns="" xmlns:a16="http://schemas.microsoft.com/office/drawing/2014/main" id="{66E6D84F-CF3D-46FA-8A04-A1A056CDB643}"/>
               </a:ext>
             </a:extLst>
           </p:cNvPr>
@@ -1010,7 +1010,7 @@
           <p:cNvPr id="5" name="바닥글 개체 틀 4">
             <a:extLst>
               <a:ext uri="{FF2B5EF4-FFF2-40B4-BE49-F238E27FC236}">
-                <a16:creationId xmlns:a16="http://schemas.microsoft.com/office/drawing/2014/main" xmlns="" id="{3B5FD9F3-507C-4B83-A2C9-30FD3555E3DE}"/>
+                <a16:creationId xmlns="" xmlns:a16="http://schemas.microsoft.com/office/drawing/2014/main" id="{3B5FD9F3-507C-4B83-A2C9-30FD3555E3DE}"/>
               </a:ext>
             </a:extLst>
           </p:cNvPr>
@@ -1042,7 +1042,7 @@
           <p:cNvPr id="6" name="슬라이드 번호 개체 틀 5">
             <a:extLst>
               <a:ext uri="{FF2B5EF4-FFF2-40B4-BE49-F238E27FC236}">
-                <a16:creationId xmlns:a16="http://schemas.microsoft.com/office/drawing/2014/main" xmlns="" id="{CC55443C-3B7D-4C87-B3CD-99987BB4F737}"/>
+                <a16:creationId xmlns="" xmlns:a16="http://schemas.microsoft.com/office/drawing/2014/main" id="{CC55443C-3B7D-4C87-B3CD-99987BB4F737}"/>
               </a:ext>
             </a:extLst>
           </p:cNvPr>
@@ -1074,7 +1074,7 @@
     </p:spTree>
     <p:extLst>
       <p:ext uri="{BB962C8B-B14F-4D97-AF65-F5344CB8AC3E}">
-        <p14:creationId xmlns:p14="http://schemas.microsoft.com/office/powerpoint/2010/main" xmlns="" val="3505371636"/>
+        <p14:creationId xmlns="" xmlns:p14="http://schemas.microsoft.com/office/powerpoint/2010/main" val="3505371636"/>
       </p:ext>
     </p:extLst>
   </p:cSld>
@@ -1189,7 +1189,7 @@
           <p:cNvPr id="4" name="날짜 개체 틀 3">
             <a:extLst>
               <a:ext uri="{FF2B5EF4-FFF2-40B4-BE49-F238E27FC236}">
-                <a16:creationId xmlns:a16="http://schemas.microsoft.com/office/drawing/2014/main" xmlns="" id="{D2736743-6D1D-439C-9A37-D9E3AA302BA0}"/>
+                <a16:creationId xmlns="" xmlns:a16="http://schemas.microsoft.com/office/drawing/2014/main" id="{D2736743-6D1D-439C-9A37-D9E3AA302BA0}"/>
               </a:ext>
             </a:extLst>
           </p:cNvPr>
@@ -1228,7 +1228,7 @@
           <p:cNvPr id="5" name="바닥글 개체 틀 4">
             <a:extLst>
               <a:ext uri="{FF2B5EF4-FFF2-40B4-BE49-F238E27FC236}">
-                <a16:creationId xmlns:a16="http://schemas.microsoft.com/office/drawing/2014/main" xmlns="" id="{4A2AAF65-2B52-4C43-A4CB-5E8B42F99D9F}"/>
+                <a16:creationId xmlns="" xmlns:a16="http://schemas.microsoft.com/office/drawing/2014/main" id="{4A2AAF65-2B52-4C43-A4CB-5E8B42F99D9F}"/>
               </a:ext>
             </a:extLst>
           </p:cNvPr>
@@ -1260,7 +1260,7 @@
           <p:cNvPr id="6" name="슬라이드 번호 개체 틀 5">
             <a:extLst>
               <a:ext uri="{FF2B5EF4-FFF2-40B4-BE49-F238E27FC236}">
-                <a16:creationId xmlns:a16="http://schemas.microsoft.com/office/drawing/2014/main" xmlns="" id="{9E6FAE4F-0D0C-4AD0-8A4D-518AD523D38A}"/>
+                <a16:creationId xmlns="" xmlns:a16="http://schemas.microsoft.com/office/drawing/2014/main" id="{9E6FAE4F-0D0C-4AD0-8A4D-518AD523D38A}"/>
               </a:ext>
             </a:extLst>
           </p:cNvPr>
@@ -1292,7 +1292,7 @@
     </p:spTree>
     <p:extLst>
       <p:ext uri="{BB962C8B-B14F-4D97-AF65-F5344CB8AC3E}">
-        <p14:creationId xmlns:p14="http://schemas.microsoft.com/office/powerpoint/2010/main" xmlns="" val="2281595228"/>
+        <p14:creationId xmlns="" xmlns:p14="http://schemas.microsoft.com/office/powerpoint/2010/main" val="2281595228"/>
       </p:ext>
     </p:extLst>
   </p:cSld>
@@ -1397,7 +1397,7 @@
           <p:cNvPr id="4" name="날짜 개체 틀 3">
             <a:extLst>
               <a:ext uri="{FF2B5EF4-FFF2-40B4-BE49-F238E27FC236}">
-                <a16:creationId xmlns:a16="http://schemas.microsoft.com/office/drawing/2014/main" xmlns="" id="{C5B928DF-42C1-47B2-9D74-37A1DA6611B9}"/>
+                <a16:creationId xmlns="" xmlns:a16="http://schemas.microsoft.com/office/drawing/2014/main" id="{C5B928DF-42C1-47B2-9D74-37A1DA6611B9}"/>
               </a:ext>
             </a:extLst>
           </p:cNvPr>
@@ -1436,7 +1436,7 @@
           <p:cNvPr id="5" name="바닥글 개체 틀 4">
             <a:extLst>
               <a:ext uri="{FF2B5EF4-FFF2-40B4-BE49-F238E27FC236}">
-                <a16:creationId xmlns:a16="http://schemas.microsoft.com/office/drawing/2014/main" xmlns="" id="{3C85F852-A228-414A-8E30-6BC0DD46A85E}"/>
+                <a16:creationId xmlns="" xmlns:a16="http://schemas.microsoft.com/office/drawing/2014/main" id="{3C85F852-A228-414A-8E30-6BC0DD46A85E}"/>
               </a:ext>
             </a:extLst>
           </p:cNvPr>
@@ -1468,7 +1468,7 @@
           <p:cNvPr id="6" name="슬라이드 번호 개체 틀 5">
             <a:extLst>
               <a:ext uri="{FF2B5EF4-FFF2-40B4-BE49-F238E27FC236}">
-                <a16:creationId xmlns:a16="http://schemas.microsoft.com/office/drawing/2014/main" xmlns="" id="{456831BB-710C-4864-A4DD-D6C55C57E363}"/>
+                <a16:creationId xmlns="" xmlns:a16="http://schemas.microsoft.com/office/drawing/2014/main" id="{456831BB-710C-4864-A4DD-D6C55C57E363}"/>
               </a:ext>
             </a:extLst>
           </p:cNvPr>
@@ -1500,7 +1500,7 @@
     </p:spTree>
     <p:extLst>
       <p:ext uri="{BB962C8B-B14F-4D97-AF65-F5344CB8AC3E}">
-        <p14:creationId xmlns:p14="http://schemas.microsoft.com/office/powerpoint/2010/main" xmlns="" val="693262873"/>
+        <p14:creationId xmlns="" xmlns:p14="http://schemas.microsoft.com/office/powerpoint/2010/main" val="693262873"/>
       </p:ext>
     </p:extLst>
   </p:cSld>
@@ -1682,7 +1682,7 @@
           <p:cNvPr id="4" name="날짜 개체 틀 3">
             <a:extLst>
               <a:ext uri="{FF2B5EF4-FFF2-40B4-BE49-F238E27FC236}">
-                <a16:creationId xmlns:a16="http://schemas.microsoft.com/office/drawing/2014/main" xmlns="" id="{6073A85F-300B-41DD-807F-27AE538E963D}"/>
+                <a16:creationId xmlns="" xmlns:a16="http://schemas.microsoft.com/office/drawing/2014/main" id="{6073A85F-300B-41DD-807F-27AE538E963D}"/>
               </a:ext>
             </a:extLst>
           </p:cNvPr>
@@ -1721,7 +1721,7 @@
           <p:cNvPr id="5" name="바닥글 개체 틀 4">
             <a:extLst>
               <a:ext uri="{FF2B5EF4-FFF2-40B4-BE49-F238E27FC236}">
-                <a16:creationId xmlns:a16="http://schemas.microsoft.com/office/drawing/2014/main" xmlns="" id="{ABF912A7-CF3A-4D13-A365-5E135194612B}"/>
+                <a16:creationId xmlns="" xmlns:a16="http://schemas.microsoft.com/office/drawing/2014/main" id="{ABF912A7-CF3A-4D13-A365-5E135194612B}"/>
               </a:ext>
             </a:extLst>
           </p:cNvPr>
@@ -1753,7 +1753,7 @@
           <p:cNvPr id="6" name="슬라이드 번호 개체 틀 5">
             <a:extLst>
               <a:ext uri="{FF2B5EF4-FFF2-40B4-BE49-F238E27FC236}">
-                <a16:creationId xmlns:a16="http://schemas.microsoft.com/office/drawing/2014/main" xmlns="" id="{B0BE4FB5-AB83-422D-BA97-C6F58CAB6044}"/>
+                <a16:creationId xmlns="" xmlns:a16="http://schemas.microsoft.com/office/drawing/2014/main" id="{B0BE4FB5-AB83-422D-BA97-C6F58CAB6044}"/>
               </a:ext>
             </a:extLst>
           </p:cNvPr>
@@ -1785,7 +1785,7 @@
     </p:spTree>
     <p:extLst>
       <p:ext uri="{BB962C8B-B14F-4D97-AF65-F5344CB8AC3E}">
-        <p14:creationId xmlns:p14="http://schemas.microsoft.com/office/powerpoint/2010/main" xmlns="" val="2760546698"/>
+        <p14:creationId xmlns="" xmlns:p14="http://schemas.microsoft.com/office/powerpoint/2010/main" val="2760546698"/>
       </p:ext>
     </p:extLst>
   </p:cSld>
@@ -1951,7 +1951,7 @@
           <p:cNvPr id="5" name="날짜 개체 틀 3">
             <a:extLst>
               <a:ext uri="{FF2B5EF4-FFF2-40B4-BE49-F238E27FC236}">
-                <a16:creationId xmlns:a16="http://schemas.microsoft.com/office/drawing/2014/main" xmlns="" id="{DEFE0DA4-61F1-407C-A787-87C101A4ABCA}"/>
+                <a16:creationId xmlns="" xmlns:a16="http://schemas.microsoft.com/office/drawing/2014/main" id="{DEFE0DA4-61F1-407C-A787-87C101A4ABCA}"/>
               </a:ext>
             </a:extLst>
           </p:cNvPr>
@@ -1990,7 +1990,7 @@
           <p:cNvPr id="6" name="바닥글 개체 틀 4">
             <a:extLst>
               <a:ext uri="{FF2B5EF4-FFF2-40B4-BE49-F238E27FC236}">
-                <a16:creationId xmlns:a16="http://schemas.microsoft.com/office/drawing/2014/main" xmlns="" id="{09E0EA02-15E7-412F-857B-07484AEB2D8A}"/>
+                <a16:creationId xmlns="" xmlns:a16="http://schemas.microsoft.com/office/drawing/2014/main" id="{09E0EA02-15E7-412F-857B-07484AEB2D8A}"/>
               </a:ext>
             </a:extLst>
           </p:cNvPr>
@@ -2022,7 +2022,7 @@
           <p:cNvPr id="7" name="슬라이드 번호 개체 틀 5">
             <a:extLst>
               <a:ext uri="{FF2B5EF4-FFF2-40B4-BE49-F238E27FC236}">
-                <a16:creationId xmlns:a16="http://schemas.microsoft.com/office/drawing/2014/main" xmlns="" id="{C5FB5F6D-1EB6-41CB-97FE-37E73A28E03A}"/>
+                <a16:creationId xmlns="" xmlns:a16="http://schemas.microsoft.com/office/drawing/2014/main" id="{C5FB5F6D-1EB6-41CB-97FE-37E73A28E03A}"/>
               </a:ext>
             </a:extLst>
           </p:cNvPr>
@@ -2054,7 +2054,7 @@
     </p:spTree>
     <p:extLst>
       <p:ext uri="{BB962C8B-B14F-4D97-AF65-F5344CB8AC3E}">
-        <p14:creationId xmlns:p14="http://schemas.microsoft.com/office/powerpoint/2010/main" xmlns="" val="4218192675"/>
+        <p14:creationId xmlns="" xmlns:p14="http://schemas.microsoft.com/office/powerpoint/2010/main" val="4218192675"/>
       </p:ext>
     </p:extLst>
   </p:cSld>
@@ -2355,7 +2355,7 @@
           <p:cNvPr id="7" name="날짜 개체 틀 3">
             <a:extLst>
               <a:ext uri="{FF2B5EF4-FFF2-40B4-BE49-F238E27FC236}">
-                <a16:creationId xmlns:a16="http://schemas.microsoft.com/office/drawing/2014/main" xmlns="" id="{E4C5E0DF-D71E-41D5-B862-110DB52AB855}"/>
+                <a16:creationId xmlns="" xmlns:a16="http://schemas.microsoft.com/office/drawing/2014/main" id="{E4C5E0DF-D71E-41D5-B862-110DB52AB855}"/>
               </a:ext>
             </a:extLst>
           </p:cNvPr>
@@ -2394,7 +2394,7 @@
           <p:cNvPr id="8" name="바닥글 개체 틀 4">
             <a:extLst>
               <a:ext uri="{FF2B5EF4-FFF2-40B4-BE49-F238E27FC236}">
-                <a16:creationId xmlns:a16="http://schemas.microsoft.com/office/drawing/2014/main" xmlns="" id="{CFE0BC01-F369-42EE-A7B3-23EA6E26A4E4}"/>
+                <a16:creationId xmlns="" xmlns:a16="http://schemas.microsoft.com/office/drawing/2014/main" id="{CFE0BC01-F369-42EE-A7B3-23EA6E26A4E4}"/>
               </a:ext>
             </a:extLst>
           </p:cNvPr>
@@ -2426,7 +2426,7 @@
           <p:cNvPr id="9" name="슬라이드 번호 개체 틀 5">
             <a:extLst>
               <a:ext uri="{FF2B5EF4-FFF2-40B4-BE49-F238E27FC236}">
-                <a16:creationId xmlns:a16="http://schemas.microsoft.com/office/drawing/2014/main" xmlns="" id="{CA5BE72A-49DD-4E28-89D2-CD2E20CA4820}"/>
+                <a16:creationId xmlns="" xmlns:a16="http://schemas.microsoft.com/office/drawing/2014/main" id="{CA5BE72A-49DD-4E28-89D2-CD2E20CA4820}"/>
               </a:ext>
             </a:extLst>
           </p:cNvPr>
@@ -2458,7 +2458,7 @@
     </p:spTree>
     <p:extLst>
       <p:ext uri="{BB962C8B-B14F-4D97-AF65-F5344CB8AC3E}">
-        <p14:creationId xmlns:p14="http://schemas.microsoft.com/office/powerpoint/2010/main" xmlns="" val="287015798"/>
+        <p14:creationId xmlns="" xmlns:p14="http://schemas.microsoft.com/office/powerpoint/2010/main" val="287015798"/>
       </p:ext>
     </p:extLst>
   </p:cSld>
@@ -2512,7 +2512,7 @@
           <p:cNvPr id="3" name="날짜 개체 틀 3">
             <a:extLst>
               <a:ext uri="{FF2B5EF4-FFF2-40B4-BE49-F238E27FC236}">
-                <a16:creationId xmlns:a16="http://schemas.microsoft.com/office/drawing/2014/main" xmlns="" id="{3D347FC1-525B-4394-8C8A-51D6A24E140F}"/>
+                <a16:creationId xmlns="" xmlns:a16="http://schemas.microsoft.com/office/drawing/2014/main" id="{3D347FC1-525B-4394-8C8A-51D6A24E140F}"/>
               </a:ext>
             </a:extLst>
           </p:cNvPr>
@@ -2551,7 +2551,7 @@
           <p:cNvPr id="4" name="바닥글 개체 틀 4">
             <a:extLst>
               <a:ext uri="{FF2B5EF4-FFF2-40B4-BE49-F238E27FC236}">
-                <a16:creationId xmlns:a16="http://schemas.microsoft.com/office/drawing/2014/main" xmlns="" id="{E31EC720-F8B5-47BD-AF29-309ACC934F84}"/>
+                <a16:creationId xmlns="" xmlns:a16="http://schemas.microsoft.com/office/drawing/2014/main" id="{E31EC720-F8B5-47BD-AF29-309ACC934F84}"/>
               </a:ext>
             </a:extLst>
           </p:cNvPr>
@@ -2583,7 +2583,7 @@
           <p:cNvPr id="5" name="슬라이드 번호 개체 틀 5">
             <a:extLst>
               <a:ext uri="{FF2B5EF4-FFF2-40B4-BE49-F238E27FC236}">
-                <a16:creationId xmlns:a16="http://schemas.microsoft.com/office/drawing/2014/main" xmlns="" id="{4FED9235-C041-41FE-A4E5-0AA073872789}"/>
+                <a16:creationId xmlns="" xmlns:a16="http://schemas.microsoft.com/office/drawing/2014/main" id="{4FED9235-C041-41FE-A4E5-0AA073872789}"/>
               </a:ext>
             </a:extLst>
           </p:cNvPr>
@@ -2615,7 +2615,7 @@
     </p:spTree>
     <p:extLst>
       <p:ext uri="{BB962C8B-B14F-4D97-AF65-F5344CB8AC3E}">
-        <p14:creationId xmlns:p14="http://schemas.microsoft.com/office/powerpoint/2010/main" xmlns="" val="2549040720"/>
+        <p14:creationId xmlns="" xmlns:p14="http://schemas.microsoft.com/office/powerpoint/2010/main" val="2549040720"/>
       </p:ext>
     </p:extLst>
   </p:cSld>
@@ -2647,7 +2647,7 @@
           <p:cNvPr id="2" name="날짜 개체 틀 3">
             <a:extLst>
               <a:ext uri="{FF2B5EF4-FFF2-40B4-BE49-F238E27FC236}">
-                <a16:creationId xmlns:a16="http://schemas.microsoft.com/office/drawing/2014/main" xmlns="" id="{D8032D5F-913A-48A1-8EAD-124BF7350DDB}"/>
+                <a16:creationId xmlns="" xmlns:a16="http://schemas.microsoft.com/office/drawing/2014/main" id="{D8032D5F-913A-48A1-8EAD-124BF7350DDB}"/>
               </a:ext>
             </a:extLst>
           </p:cNvPr>
@@ -2686,7 +2686,7 @@
           <p:cNvPr id="3" name="바닥글 개체 틀 4">
             <a:extLst>
               <a:ext uri="{FF2B5EF4-FFF2-40B4-BE49-F238E27FC236}">
-                <a16:creationId xmlns:a16="http://schemas.microsoft.com/office/drawing/2014/main" xmlns="" id="{818700F2-4E9C-4381-8121-137154EB083D}"/>
+                <a16:creationId xmlns="" xmlns:a16="http://schemas.microsoft.com/office/drawing/2014/main" id="{818700F2-4E9C-4381-8121-137154EB083D}"/>
               </a:ext>
             </a:extLst>
           </p:cNvPr>
@@ -2718,7 +2718,7 @@
           <p:cNvPr id="4" name="슬라이드 번호 개체 틀 5">
             <a:extLst>
               <a:ext uri="{FF2B5EF4-FFF2-40B4-BE49-F238E27FC236}">
-                <a16:creationId xmlns:a16="http://schemas.microsoft.com/office/drawing/2014/main" xmlns="" id="{969C678D-2A41-4446-901E-B4585428A3B4}"/>
+                <a16:creationId xmlns="" xmlns:a16="http://schemas.microsoft.com/office/drawing/2014/main" id="{969C678D-2A41-4446-901E-B4585428A3B4}"/>
               </a:ext>
             </a:extLst>
           </p:cNvPr>
@@ -2750,7 +2750,7 @@
     </p:spTree>
     <p:extLst>
       <p:ext uri="{BB962C8B-B14F-4D97-AF65-F5344CB8AC3E}">
-        <p14:creationId xmlns:p14="http://schemas.microsoft.com/office/powerpoint/2010/main" xmlns="" val="3859003089"/>
+        <p14:creationId xmlns="" xmlns:p14="http://schemas.microsoft.com/office/powerpoint/2010/main" val="3859003089"/>
       </p:ext>
     </p:extLst>
   </p:cSld>
@@ -2962,7 +2962,7 @@
           <p:cNvPr id="5" name="날짜 개체 틀 3">
             <a:extLst>
               <a:ext uri="{FF2B5EF4-FFF2-40B4-BE49-F238E27FC236}">
-                <a16:creationId xmlns:a16="http://schemas.microsoft.com/office/drawing/2014/main" xmlns="" id="{BE29183E-884A-4E6B-AA3A-82778A1F7460}"/>
+                <a16:creationId xmlns="" xmlns:a16="http://schemas.microsoft.com/office/drawing/2014/main" id="{BE29183E-884A-4E6B-AA3A-82778A1F7460}"/>
               </a:ext>
             </a:extLst>
           </p:cNvPr>
@@ -3001,7 +3001,7 @@
           <p:cNvPr id="6" name="바닥글 개체 틀 4">
             <a:extLst>
               <a:ext uri="{FF2B5EF4-FFF2-40B4-BE49-F238E27FC236}">
-                <a16:creationId xmlns:a16="http://schemas.microsoft.com/office/drawing/2014/main" xmlns="" id="{EF7F8288-F375-457D-B553-DCFFCB7A2D70}"/>
+                <a16:creationId xmlns="" xmlns:a16="http://schemas.microsoft.com/office/drawing/2014/main" id="{EF7F8288-F375-457D-B553-DCFFCB7A2D70}"/>
               </a:ext>
             </a:extLst>
           </p:cNvPr>
@@ -3033,7 +3033,7 @@
           <p:cNvPr id="7" name="슬라이드 번호 개체 틀 5">
             <a:extLst>
               <a:ext uri="{FF2B5EF4-FFF2-40B4-BE49-F238E27FC236}">
-                <a16:creationId xmlns:a16="http://schemas.microsoft.com/office/drawing/2014/main" xmlns="" id="{533C4906-0099-48A6-9904-0658DA7A67F1}"/>
+                <a16:creationId xmlns="" xmlns:a16="http://schemas.microsoft.com/office/drawing/2014/main" id="{533C4906-0099-48A6-9904-0658DA7A67F1}"/>
               </a:ext>
             </a:extLst>
           </p:cNvPr>
@@ -3065,7 +3065,7 @@
     </p:spTree>
     <p:extLst>
       <p:ext uri="{BB962C8B-B14F-4D97-AF65-F5344CB8AC3E}">
-        <p14:creationId xmlns:p14="http://schemas.microsoft.com/office/powerpoint/2010/main" xmlns="" val="1950716070"/>
+        <p14:creationId xmlns="" xmlns:p14="http://schemas.microsoft.com/office/powerpoint/2010/main" val="1950716070"/>
       </p:ext>
     </p:extLst>
   </p:cSld>
@@ -3257,7 +3257,7 @@
           <p:cNvPr id="5" name="날짜 개체 틀 3">
             <a:extLst>
               <a:ext uri="{FF2B5EF4-FFF2-40B4-BE49-F238E27FC236}">
-                <a16:creationId xmlns:a16="http://schemas.microsoft.com/office/drawing/2014/main" xmlns="" id="{DBEDD371-99CF-47FD-9FC6-AD0CE2E0D464}"/>
+                <a16:creationId xmlns="" xmlns:a16="http://schemas.microsoft.com/office/drawing/2014/main" id="{DBEDD371-99CF-47FD-9FC6-AD0CE2E0D464}"/>
               </a:ext>
             </a:extLst>
           </p:cNvPr>
@@ -3296,7 +3296,7 @@
           <p:cNvPr id="6" name="바닥글 개체 틀 4">
             <a:extLst>
               <a:ext uri="{FF2B5EF4-FFF2-40B4-BE49-F238E27FC236}">
-                <a16:creationId xmlns:a16="http://schemas.microsoft.com/office/drawing/2014/main" xmlns="" id="{0EC94D19-2FB9-4E0F-9427-97784133BAC1}"/>
+                <a16:creationId xmlns="" xmlns:a16="http://schemas.microsoft.com/office/drawing/2014/main" id="{0EC94D19-2FB9-4E0F-9427-97784133BAC1}"/>
               </a:ext>
             </a:extLst>
           </p:cNvPr>
@@ -3328,7 +3328,7 @@
           <p:cNvPr id="7" name="슬라이드 번호 개체 틀 5">
             <a:extLst>
               <a:ext uri="{FF2B5EF4-FFF2-40B4-BE49-F238E27FC236}">
-                <a16:creationId xmlns:a16="http://schemas.microsoft.com/office/drawing/2014/main" xmlns="" id="{A6317D39-B975-41AC-9769-FAE8E4513779}"/>
+                <a16:creationId xmlns="" xmlns:a16="http://schemas.microsoft.com/office/drawing/2014/main" id="{A6317D39-B975-41AC-9769-FAE8E4513779}"/>
               </a:ext>
             </a:extLst>
           </p:cNvPr>
@@ -3360,7 +3360,7 @@
     </p:spTree>
     <p:extLst>
       <p:ext uri="{BB962C8B-B14F-4D97-AF65-F5344CB8AC3E}">
-        <p14:creationId xmlns:p14="http://schemas.microsoft.com/office/powerpoint/2010/main" xmlns="" val="1213398695"/>
+        <p14:creationId xmlns="" xmlns:p14="http://schemas.microsoft.com/office/powerpoint/2010/main" val="1213398695"/>
       </p:ext>
     </p:extLst>
   </p:cSld>
@@ -3400,7 +3400,7 @@
           <p:cNvPr id="1026" name="제목 개체 틀 1">
             <a:extLst>
               <a:ext uri="{FF2B5EF4-FFF2-40B4-BE49-F238E27FC236}">
-                <a16:creationId xmlns:a16="http://schemas.microsoft.com/office/drawing/2014/main" xmlns="" id="{CF9157B7-9D5D-403D-A1BF-C06E182429B6}"/>
+                <a16:creationId xmlns="" xmlns:a16="http://schemas.microsoft.com/office/drawing/2014/main" id="{CF9157B7-9D5D-403D-A1BF-C06E182429B6}"/>
               </a:ext>
             </a:extLst>
           </p:cNvPr>
@@ -3425,14 +3425,14 @@
           </a:ln>
           <a:extLst>
             <a:ext uri="{909E8E84-426E-40DD-AFC4-6F175D3DCCD1}">
-              <a14:hiddenFill xmlns:a14="http://schemas.microsoft.com/office/drawing/2010/main" xmlns="">
+              <a14:hiddenFill xmlns="" xmlns:a14="http://schemas.microsoft.com/office/drawing/2010/main">
                 <a:solidFill>
                   <a:srgbClr val="FFFFFF"/>
                 </a:solidFill>
               </a14:hiddenFill>
             </a:ext>
             <a:ext uri="{91240B29-F687-4F45-9708-019B960494DF}">
-              <a14:hiddenLine xmlns:a14="http://schemas.microsoft.com/office/drawing/2010/main" xmlns="" w="9525">
+              <a14:hiddenLine xmlns="" xmlns:a14="http://schemas.microsoft.com/office/drawing/2010/main" w="9525">
                 <a:solidFill>
                   <a:srgbClr val="000000"/>
                 </a:solidFill>
@@ -3464,7 +3464,7 @@
           <p:cNvPr id="1027" name="텍스트 개체 틀 2">
             <a:extLst>
               <a:ext uri="{FF2B5EF4-FFF2-40B4-BE49-F238E27FC236}">
-                <a16:creationId xmlns:a16="http://schemas.microsoft.com/office/drawing/2014/main" xmlns="" id="{B04FC427-ABC6-4DD7-A383-5D232779C80A}"/>
+                <a16:creationId xmlns="" xmlns:a16="http://schemas.microsoft.com/office/drawing/2014/main" id="{B04FC427-ABC6-4DD7-A383-5D232779C80A}"/>
               </a:ext>
             </a:extLst>
           </p:cNvPr>
@@ -3489,14 +3489,14 @@
           </a:ln>
           <a:extLst>
             <a:ext uri="{909E8E84-426E-40DD-AFC4-6F175D3DCCD1}">
-              <a14:hiddenFill xmlns:a14="http://schemas.microsoft.com/office/drawing/2010/main" xmlns="">
+              <a14:hiddenFill xmlns="" xmlns:a14="http://schemas.microsoft.com/office/drawing/2010/main">
                 <a:solidFill>
                   <a:srgbClr val="FFFFFF"/>
                 </a:solidFill>
               </a14:hiddenFill>
             </a:ext>
             <a:ext uri="{91240B29-F687-4F45-9708-019B960494DF}">
-              <a14:hiddenLine xmlns:a14="http://schemas.microsoft.com/office/drawing/2010/main" xmlns="" w="9525">
+              <a14:hiddenLine xmlns="" xmlns:a14="http://schemas.microsoft.com/office/drawing/2010/main" w="9525">
                 <a:solidFill>
                   <a:srgbClr val="000000"/>
                 </a:solidFill>
@@ -3556,7 +3556,7 @@
           <p:cNvPr id="4" name="날짜 개체 틀 3">
             <a:extLst>
               <a:ext uri="{FF2B5EF4-FFF2-40B4-BE49-F238E27FC236}">
-                <a16:creationId xmlns:a16="http://schemas.microsoft.com/office/drawing/2014/main" xmlns="" id="{3064D9A6-F658-4843-80C9-DC3A3A636516}"/>
+                <a16:creationId xmlns="" xmlns:a16="http://schemas.microsoft.com/office/drawing/2014/main" id="{3064D9A6-F658-4843-80C9-DC3A3A636516}"/>
               </a:ext>
             </a:extLst>
           </p:cNvPr>
@@ -3618,7 +3618,7 @@
           <p:cNvPr id="5" name="바닥글 개체 틀 4">
             <a:extLst>
               <a:ext uri="{FF2B5EF4-FFF2-40B4-BE49-F238E27FC236}">
-                <a16:creationId xmlns:a16="http://schemas.microsoft.com/office/drawing/2014/main" xmlns="" id="{A2D51673-9A58-4F85-8D4B-78CA4E49BE0A}"/>
+                <a16:creationId xmlns="" xmlns:a16="http://schemas.microsoft.com/office/drawing/2014/main" id="{A2D51673-9A58-4F85-8D4B-78CA4E49BE0A}"/>
               </a:ext>
             </a:extLst>
           </p:cNvPr>
@@ -3673,7 +3673,7 @@
           <p:cNvPr id="6" name="슬라이드 번호 개체 틀 5">
             <a:extLst>
               <a:ext uri="{FF2B5EF4-FFF2-40B4-BE49-F238E27FC236}">
-                <a16:creationId xmlns:a16="http://schemas.microsoft.com/office/drawing/2014/main" xmlns="" id="{3632774D-7CFB-41B8-9199-C089A43321AA}"/>
+                <a16:creationId xmlns="" xmlns:a16="http://schemas.microsoft.com/office/drawing/2014/main" id="{3632774D-7CFB-41B8-9199-C089A43321AA}"/>
               </a:ext>
             </a:extLst>
           </p:cNvPr>
@@ -3726,7 +3726,7 @@
           <p:cNvPr id="7" name="TextBox 6">
             <a:extLst>
               <a:ext uri="{FF2B5EF4-FFF2-40B4-BE49-F238E27FC236}">
-                <a16:creationId xmlns:a16="http://schemas.microsoft.com/office/drawing/2014/main" xmlns="" id="{9CC1DEAC-55BA-4083-B090-711DF40B2949}"/>
+                <a16:creationId xmlns="" xmlns:a16="http://schemas.microsoft.com/office/drawing/2014/main" id="{9CC1DEAC-55BA-4083-B090-711DF40B2949}"/>
               </a:ext>
             </a:extLst>
           </p:cNvPr>
@@ -4268,7 +4268,7 @@
           <p:cNvPr id="2050" name="그림 2">
             <a:extLst>
               <a:ext uri="{FF2B5EF4-FFF2-40B4-BE49-F238E27FC236}">
-                <a16:creationId xmlns:a16="http://schemas.microsoft.com/office/drawing/2014/main" xmlns="" id="{BD29A930-929D-45F2-9CAB-3659B9744F51}"/>
+                <a16:creationId xmlns="" xmlns:a16="http://schemas.microsoft.com/office/drawing/2014/main" id="{BD29A930-929D-45F2-9CAB-3659B9744F51}"/>
               </a:ext>
             </a:extLst>
           </p:cNvPr>
@@ -4281,7 +4281,7 @@
           <a:blip r:embed="rId2">
             <a:extLst>
               <a:ext uri="{28A0092B-C50C-407E-A947-70E740481C1C}">
-                <a14:useLocalDpi xmlns:a14="http://schemas.microsoft.com/office/drawing/2010/main" xmlns="" val="0"/>
+                <a14:useLocalDpi xmlns="" xmlns:a14="http://schemas.microsoft.com/office/drawing/2010/main" val="0"/>
               </a:ext>
             </a:extLst>
           </a:blip>
@@ -4304,14 +4304,14 @@
           </a:ln>
           <a:extLst>
             <a:ext uri="{909E8E84-426E-40DD-AFC4-6F175D3DCCD1}">
-              <a14:hiddenFill xmlns:a14="http://schemas.microsoft.com/office/drawing/2010/main" xmlns="">
+              <a14:hiddenFill xmlns="" xmlns:a14="http://schemas.microsoft.com/office/drawing/2010/main">
                 <a:solidFill>
                   <a:srgbClr val="FFFFFF"/>
                 </a:solidFill>
               </a14:hiddenFill>
             </a:ext>
             <a:ext uri="{91240B29-F687-4F45-9708-019B960494DF}">
-              <a14:hiddenLine xmlns:a14="http://schemas.microsoft.com/office/drawing/2010/main" xmlns="" w="9525">
+              <a14:hiddenLine xmlns="" xmlns:a14="http://schemas.microsoft.com/office/drawing/2010/main" w="9525">
                 <a:solidFill>
                   <a:srgbClr val="000000"/>
                 </a:solidFill>
@@ -4328,7 +4328,7 @@
           <p:cNvPr id="2" name="직사각형 1">
             <a:extLst>
               <a:ext uri="{FF2B5EF4-FFF2-40B4-BE49-F238E27FC236}">
-                <a16:creationId xmlns:a16="http://schemas.microsoft.com/office/drawing/2014/main" xmlns="" id="{7BC58B05-62ED-421C-98B3-B2ED73D72C4F}"/>
+                <a16:creationId xmlns="" xmlns:a16="http://schemas.microsoft.com/office/drawing/2014/main" id="{7BC58B05-62ED-421C-98B3-B2ED73D72C4F}"/>
               </a:ext>
             </a:extLst>
           </p:cNvPr>
@@ -4390,7 +4390,7 @@
           <p:cNvPr id="2052" name="TextBox 3">
             <a:extLst>
               <a:ext uri="{FF2B5EF4-FFF2-40B4-BE49-F238E27FC236}">
-                <a16:creationId xmlns:a16="http://schemas.microsoft.com/office/drawing/2014/main" xmlns="" id="{FF6AFDD9-5359-4B4C-BEFE-EB927C93601A}"/>
+                <a16:creationId xmlns="" xmlns:a16="http://schemas.microsoft.com/office/drawing/2014/main" id="{FF6AFDD9-5359-4B4C-BEFE-EB927C93601A}"/>
               </a:ext>
             </a:extLst>
           </p:cNvPr>
@@ -4413,14 +4413,14 @@
           </a:ln>
           <a:extLst>
             <a:ext uri="{909E8E84-426E-40DD-AFC4-6F175D3DCCD1}">
-              <a14:hiddenFill xmlns:a14="http://schemas.microsoft.com/office/drawing/2010/main" xmlns="">
+              <a14:hiddenFill xmlns="" xmlns:a14="http://schemas.microsoft.com/office/drawing/2010/main">
                 <a:solidFill>
                   <a:srgbClr val="FFFFFF"/>
                 </a:solidFill>
               </a14:hiddenFill>
             </a:ext>
             <a:ext uri="{91240B29-F687-4F45-9708-019B960494DF}">
-              <a14:hiddenLine xmlns:a14="http://schemas.microsoft.com/office/drawing/2010/main" xmlns="" w="9525">
+              <a14:hiddenLine xmlns="" xmlns:a14="http://schemas.microsoft.com/office/drawing/2010/main" w="9525">
                 <a:solidFill>
                   <a:srgbClr val="000000"/>
                 </a:solidFill>
@@ -4563,7 +4563,7 @@
           <p:cNvPr id="7" name="직선 연결선 6">
             <a:extLst>
               <a:ext uri="{FF2B5EF4-FFF2-40B4-BE49-F238E27FC236}">
-                <a16:creationId xmlns:a16="http://schemas.microsoft.com/office/drawing/2014/main" xmlns="" id="{AFF6050A-DFDD-4F06-BC9C-C585EABA7622}"/>
+                <a16:creationId xmlns="" xmlns:a16="http://schemas.microsoft.com/office/drawing/2014/main" id="{AFF6050A-DFDD-4F06-BC9C-C585EABA7622}"/>
               </a:ext>
             </a:extLst>
           </p:cNvPr>
@@ -4604,7 +4604,7 @@
           <p:cNvPr id="9" name="TextBox 8">
             <a:extLst>
               <a:ext uri="{FF2B5EF4-FFF2-40B4-BE49-F238E27FC236}">
-                <a16:creationId xmlns:a16="http://schemas.microsoft.com/office/drawing/2014/main" xmlns="" id="{B0C72B84-75DF-475F-B381-4E5FB180F787}"/>
+                <a16:creationId xmlns="" xmlns:a16="http://schemas.microsoft.com/office/drawing/2014/main" id="{B0C72B84-75DF-475F-B381-4E5FB180F787}"/>
               </a:ext>
             </a:extLst>
           </p:cNvPr>
@@ -4661,7 +4661,7 @@
           <p:cNvPr id="2055" name="TextBox 7">
             <a:extLst>
               <a:ext uri="{FF2B5EF4-FFF2-40B4-BE49-F238E27FC236}">
-                <a16:creationId xmlns:a16="http://schemas.microsoft.com/office/drawing/2014/main" xmlns="" id="{29FFD440-D6DD-4249-9A52-398FAF5848C4}"/>
+                <a16:creationId xmlns="" xmlns:a16="http://schemas.microsoft.com/office/drawing/2014/main" id="{29FFD440-D6DD-4249-9A52-398FAF5848C4}"/>
               </a:ext>
             </a:extLst>
           </p:cNvPr>
@@ -4684,14 +4684,14 @@
           </a:ln>
           <a:extLst>
             <a:ext uri="{909E8E84-426E-40DD-AFC4-6F175D3DCCD1}">
-              <a14:hiddenFill xmlns:a14="http://schemas.microsoft.com/office/drawing/2010/main" xmlns="">
+              <a14:hiddenFill xmlns="" xmlns:a14="http://schemas.microsoft.com/office/drawing/2010/main">
                 <a:solidFill>
                   <a:srgbClr val="FFFFFF"/>
                 </a:solidFill>
               </a14:hiddenFill>
             </a:ext>
             <a:ext uri="{91240B29-F687-4F45-9708-019B960494DF}">
-              <a14:hiddenLine xmlns:a14="http://schemas.microsoft.com/office/drawing/2010/main" xmlns="" w="9525">
+              <a14:hiddenLine xmlns="" xmlns:a14="http://schemas.microsoft.com/office/drawing/2010/main" w="9525">
                 <a:solidFill>
                   <a:srgbClr val="000000"/>
                 </a:solidFill>
@@ -4926,7 +4926,7 @@
           <p:cNvPr id="9" name="직사각형 8">
             <a:extLst>
               <a:ext uri="{FF2B5EF4-FFF2-40B4-BE49-F238E27FC236}">
-                <a16:creationId xmlns:a16="http://schemas.microsoft.com/office/drawing/2014/main" xmlns="" id="{4FA8AFAB-3045-4174-A48E-93BEC3CDB166}"/>
+                <a16:creationId xmlns="" xmlns:a16="http://schemas.microsoft.com/office/drawing/2014/main" id="{4FA8AFAB-3045-4174-A48E-93BEC3CDB166}"/>
               </a:ext>
             </a:extLst>
           </p:cNvPr>
@@ -4986,7 +4986,7 @@
           <p:cNvPr id="2" name="직선 연결선 1">
             <a:extLst>
               <a:ext uri="{FF2B5EF4-FFF2-40B4-BE49-F238E27FC236}">
-                <a16:creationId xmlns:a16="http://schemas.microsoft.com/office/drawing/2014/main" xmlns="" id="{A05F21B3-8C48-4349-BCCE-7C502034C8EB}"/>
+                <a16:creationId xmlns="" xmlns:a16="http://schemas.microsoft.com/office/drawing/2014/main" id="{A05F21B3-8C48-4349-BCCE-7C502034C8EB}"/>
               </a:ext>
             </a:extLst>
           </p:cNvPr>
@@ -5027,7 +5027,7 @@
           <p:cNvPr id="10" name="TextBox 9">
             <a:extLst>
               <a:ext uri="{FF2B5EF4-FFF2-40B4-BE49-F238E27FC236}">
-                <a16:creationId xmlns:a16="http://schemas.microsoft.com/office/drawing/2014/main" xmlns="" id="{2D3F434A-EE07-4CDA-B1CC-066BAF1F8757}"/>
+                <a16:creationId xmlns="" xmlns:a16="http://schemas.microsoft.com/office/drawing/2014/main" id="{2D3F434A-EE07-4CDA-B1CC-066BAF1F8757}"/>
               </a:ext>
             </a:extLst>
           </p:cNvPr>
@@ -5084,7 +5084,7 @@
           <p:cNvPr id="7" name="TextBox 6">
             <a:extLst>
               <a:ext uri="{FF2B5EF4-FFF2-40B4-BE49-F238E27FC236}">
-                <a16:creationId xmlns:a16="http://schemas.microsoft.com/office/drawing/2014/main" xmlns="" id="{2D4EEC55-5E16-4278-A38C-AA871B05A739}"/>
+                <a16:creationId xmlns="" xmlns:a16="http://schemas.microsoft.com/office/drawing/2014/main" id="{2D4EEC55-5E16-4278-A38C-AA871B05A739}"/>
               </a:ext>
             </a:extLst>
           </p:cNvPr>
@@ -5151,7 +5151,7 @@
           <p:cNvPr id="8" name="TextBox 7">
             <a:extLst>
               <a:ext uri="{FF2B5EF4-FFF2-40B4-BE49-F238E27FC236}">
-                <a16:creationId xmlns:a16="http://schemas.microsoft.com/office/drawing/2014/main" xmlns="" id="{A0A3E0FF-CB76-4657-803A-0B64F89C8697}"/>
+                <a16:creationId xmlns="" xmlns:a16="http://schemas.microsoft.com/office/drawing/2014/main" id="{A0A3E0FF-CB76-4657-803A-0B64F89C8697}"/>
               </a:ext>
             </a:extLst>
           </p:cNvPr>
@@ -5172,14 +5172,14 @@
           </a:ln>
           <a:extLst>
             <a:ext uri="{909E8E84-426E-40DD-AFC4-6F175D3DCCD1}">
-              <a14:hiddenFill xmlns:a14="http://schemas.microsoft.com/office/drawing/2010/main" xmlns="">
+              <a14:hiddenFill xmlns="" xmlns:a14="http://schemas.microsoft.com/office/drawing/2010/main">
                 <a:solidFill>
                   <a:srgbClr val="FFFFFF"/>
                 </a:solidFill>
               </a14:hiddenFill>
             </a:ext>
             <a:ext uri="{91240B29-F687-4F45-9708-019B960494DF}">
-              <a14:hiddenLine xmlns:a14="http://schemas.microsoft.com/office/drawing/2010/main" xmlns="" w="25400">
+              <a14:hiddenLine xmlns="" xmlns:a14="http://schemas.microsoft.com/office/drawing/2010/main" w="25400">
                 <a:solidFill>
                   <a:srgbClr val="000000"/>
                 </a:solidFill>
@@ -5277,7 +5277,7 @@
           <p:cNvPr id="9" name="직사각형 8">
             <a:extLst>
               <a:ext uri="{FF2B5EF4-FFF2-40B4-BE49-F238E27FC236}">
-                <a16:creationId xmlns:a16="http://schemas.microsoft.com/office/drawing/2014/main" xmlns="" id="{4FA8AFAB-3045-4174-A48E-93BEC3CDB166}"/>
+                <a16:creationId xmlns="" xmlns:a16="http://schemas.microsoft.com/office/drawing/2014/main" id="{4FA8AFAB-3045-4174-A48E-93BEC3CDB166}"/>
               </a:ext>
             </a:extLst>
           </p:cNvPr>
@@ -5337,7 +5337,7 @@
           <p:cNvPr id="2" name="직선 연결선 1">
             <a:extLst>
               <a:ext uri="{FF2B5EF4-FFF2-40B4-BE49-F238E27FC236}">
-                <a16:creationId xmlns:a16="http://schemas.microsoft.com/office/drawing/2014/main" xmlns="" id="{A05F21B3-8C48-4349-BCCE-7C502034C8EB}"/>
+                <a16:creationId xmlns="" xmlns:a16="http://schemas.microsoft.com/office/drawing/2014/main" id="{A05F21B3-8C48-4349-BCCE-7C502034C8EB}"/>
               </a:ext>
             </a:extLst>
           </p:cNvPr>
@@ -5378,7 +5378,7 @@
           <p:cNvPr id="10" name="TextBox 9">
             <a:extLst>
               <a:ext uri="{FF2B5EF4-FFF2-40B4-BE49-F238E27FC236}">
-                <a16:creationId xmlns:a16="http://schemas.microsoft.com/office/drawing/2014/main" xmlns="" id="{2D3F434A-EE07-4CDA-B1CC-066BAF1F8757}"/>
+                <a16:creationId xmlns="" xmlns:a16="http://schemas.microsoft.com/office/drawing/2014/main" id="{2D3F434A-EE07-4CDA-B1CC-066BAF1F8757}"/>
               </a:ext>
             </a:extLst>
           </p:cNvPr>
@@ -5435,7 +5435,7 @@
           <p:cNvPr id="7" name="TextBox 6">
             <a:extLst>
               <a:ext uri="{FF2B5EF4-FFF2-40B4-BE49-F238E27FC236}">
-                <a16:creationId xmlns:a16="http://schemas.microsoft.com/office/drawing/2014/main" xmlns="" id="{2D4EEC55-5E16-4278-A38C-AA871B05A739}"/>
+                <a16:creationId xmlns="" xmlns:a16="http://schemas.microsoft.com/office/drawing/2014/main" id="{2D4EEC55-5E16-4278-A38C-AA871B05A739}"/>
               </a:ext>
             </a:extLst>
           </p:cNvPr>
@@ -5502,7 +5502,7 @@
           <p:cNvPr id="8" name="TextBox 7">
             <a:extLst>
               <a:ext uri="{FF2B5EF4-FFF2-40B4-BE49-F238E27FC236}">
-                <a16:creationId xmlns:a16="http://schemas.microsoft.com/office/drawing/2014/main" xmlns="" id="{A0A3E0FF-CB76-4657-803A-0B64F89C8697}"/>
+                <a16:creationId xmlns="" xmlns:a16="http://schemas.microsoft.com/office/drawing/2014/main" id="{A0A3E0FF-CB76-4657-803A-0B64F89C8697}"/>
               </a:ext>
             </a:extLst>
           </p:cNvPr>
@@ -5523,14 +5523,14 @@
           </a:ln>
           <a:extLst>
             <a:ext uri="{909E8E84-426E-40DD-AFC4-6F175D3DCCD1}">
-              <a14:hiddenFill xmlns:a14="http://schemas.microsoft.com/office/drawing/2010/main" xmlns="">
+              <a14:hiddenFill xmlns="" xmlns:a14="http://schemas.microsoft.com/office/drawing/2010/main">
                 <a:solidFill>
                   <a:srgbClr val="FFFFFF"/>
                 </a:solidFill>
               </a14:hiddenFill>
             </a:ext>
             <a:ext uri="{91240B29-F687-4F45-9708-019B960494DF}">
-              <a14:hiddenLine xmlns:a14="http://schemas.microsoft.com/office/drawing/2010/main" xmlns="" w="25400">
+              <a14:hiddenLine xmlns="" xmlns:a14="http://schemas.microsoft.com/office/drawing/2010/main" w="25400">
                 <a:solidFill>
                   <a:srgbClr val="000000"/>
                 </a:solidFill>
@@ -5628,7 +5628,7 @@
           <p:cNvPr id="15" name="TextBox 14">
             <a:extLst>
               <a:ext uri="{FF2B5EF4-FFF2-40B4-BE49-F238E27FC236}">
-                <a16:creationId xmlns:a16="http://schemas.microsoft.com/office/drawing/2014/main" xmlns="" id="{4DA86BD8-A5D8-49BA-A486-A116A7526E94}"/>
+                <a16:creationId xmlns="" xmlns:a16="http://schemas.microsoft.com/office/drawing/2014/main" id="{4DA86BD8-A5D8-49BA-A486-A116A7526E94}"/>
               </a:ext>
             </a:extLst>
           </p:cNvPr>
@@ -5649,14 +5649,14 @@
           </a:ln>
           <a:extLst>
             <a:ext uri="{909E8E84-426E-40DD-AFC4-6F175D3DCCD1}">
-              <a14:hiddenFill xmlns:a14="http://schemas.microsoft.com/office/drawing/2010/main" xmlns="">
+              <a14:hiddenFill xmlns="" xmlns:a14="http://schemas.microsoft.com/office/drawing/2010/main">
                 <a:solidFill>
                   <a:srgbClr val="FFFFFF"/>
                 </a:solidFill>
               </a14:hiddenFill>
             </a:ext>
             <a:ext uri="{91240B29-F687-4F45-9708-019B960494DF}">
-              <a14:hiddenLine xmlns:a14="http://schemas.microsoft.com/office/drawing/2010/main" xmlns="" w="25400">
+              <a14:hiddenLine xmlns="" xmlns:a14="http://schemas.microsoft.com/office/drawing/2010/main" w="25400">
                 <a:solidFill>
                   <a:srgbClr val="000000"/>
                 </a:solidFill>
@@ -5756,7 +5756,7 @@
           <p:cNvPr id="9" name="직사각형 8">
             <a:extLst>
               <a:ext uri="{FF2B5EF4-FFF2-40B4-BE49-F238E27FC236}">
-                <a16:creationId xmlns:a16="http://schemas.microsoft.com/office/drawing/2014/main" xmlns="" id="{4FA8AFAB-3045-4174-A48E-93BEC3CDB166}"/>
+                <a16:creationId xmlns="" xmlns:a16="http://schemas.microsoft.com/office/drawing/2014/main" id="{4FA8AFAB-3045-4174-A48E-93BEC3CDB166}"/>
               </a:ext>
             </a:extLst>
           </p:cNvPr>
@@ -5816,7 +5816,7 @@
           <p:cNvPr id="2" name="직선 연결선 1">
             <a:extLst>
               <a:ext uri="{FF2B5EF4-FFF2-40B4-BE49-F238E27FC236}">
-                <a16:creationId xmlns:a16="http://schemas.microsoft.com/office/drawing/2014/main" xmlns="" id="{A05F21B3-8C48-4349-BCCE-7C502034C8EB}"/>
+                <a16:creationId xmlns="" xmlns:a16="http://schemas.microsoft.com/office/drawing/2014/main" id="{A05F21B3-8C48-4349-BCCE-7C502034C8EB}"/>
               </a:ext>
             </a:extLst>
           </p:cNvPr>
@@ -5857,7 +5857,7 @@
           <p:cNvPr id="10" name="TextBox 9">
             <a:extLst>
               <a:ext uri="{FF2B5EF4-FFF2-40B4-BE49-F238E27FC236}">
-                <a16:creationId xmlns:a16="http://schemas.microsoft.com/office/drawing/2014/main" xmlns="" id="{2D3F434A-EE07-4CDA-B1CC-066BAF1F8757}"/>
+                <a16:creationId xmlns="" xmlns:a16="http://schemas.microsoft.com/office/drawing/2014/main" id="{2D3F434A-EE07-4CDA-B1CC-066BAF1F8757}"/>
               </a:ext>
             </a:extLst>
           </p:cNvPr>
@@ -5914,7 +5914,7 @@
           <p:cNvPr id="7" name="TextBox 6">
             <a:extLst>
               <a:ext uri="{FF2B5EF4-FFF2-40B4-BE49-F238E27FC236}">
-                <a16:creationId xmlns:a16="http://schemas.microsoft.com/office/drawing/2014/main" xmlns="" id="{2D4EEC55-5E16-4278-A38C-AA871B05A739}"/>
+                <a16:creationId xmlns="" xmlns:a16="http://schemas.microsoft.com/office/drawing/2014/main" id="{2D4EEC55-5E16-4278-A38C-AA871B05A739}"/>
               </a:ext>
             </a:extLst>
           </p:cNvPr>
@@ -5981,7 +5981,7 @@
           <p:cNvPr id="8" name="TextBox 7">
             <a:extLst>
               <a:ext uri="{FF2B5EF4-FFF2-40B4-BE49-F238E27FC236}">
-                <a16:creationId xmlns:a16="http://schemas.microsoft.com/office/drawing/2014/main" xmlns="" id="{A0A3E0FF-CB76-4657-803A-0B64F89C8697}"/>
+                <a16:creationId xmlns="" xmlns:a16="http://schemas.microsoft.com/office/drawing/2014/main" id="{A0A3E0FF-CB76-4657-803A-0B64F89C8697}"/>
               </a:ext>
             </a:extLst>
           </p:cNvPr>
@@ -6002,14 +6002,14 @@
           </a:ln>
           <a:extLst>
             <a:ext uri="{909E8E84-426E-40DD-AFC4-6F175D3DCCD1}">
-              <a14:hiddenFill xmlns:a14="http://schemas.microsoft.com/office/drawing/2010/main" xmlns="">
+              <a14:hiddenFill xmlns="" xmlns:a14="http://schemas.microsoft.com/office/drawing/2010/main">
                 <a:solidFill>
                   <a:srgbClr val="FFFFFF"/>
                 </a:solidFill>
               </a14:hiddenFill>
             </a:ext>
             <a:ext uri="{91240B29-F687-4F45-9708-019B960494DF}">
-              <a14:hiddenLine xmlns:a14="http://schemas.microsoft.com/office/drawing/2010/main" xmlns="" w="25400">
+              <a14:hiddenLine xmlns="" xmlns:a14="http://schemas.microsoft.com/office/drawing/2010/main" w="25400">
                 <a:solidFill>
                   <a:srgbClr val="000000"/>
                 </a:solidFill>
@@ -6085,7 +6085,7 @@
           <p:cNvPr id="11" name="TextBox 10">
             <a:extLst>
               <a:ext uri="{FF2B5EF4-FFF2-40B4-BE49-F238E27FC236}">
-                <a16:creationId xmlns:a16="http://schemas.microsoft.com/office/drawing/2014/main" xmlns="" id="{4DA86BD8-A5D8-49BA-A486-A116A7526E94}"/>
+                <a16:creationId xmlns="" xmlns:a16="http://schemas.microsoft.com/office/drawing/2014/main" id="{4DA86BD8-A5D8-49BA-A486-A116A7526E94}"/>
               </a:ext>
             </a:extLst>
           </p:cNvPr>
@@ -6106,14 +6106,14 @@
           </a:ln>
           <a:extLst>
             <a:ext uri="{909E8E84-426E-40DD-AFC4-6F175D3DCCD1}">
-              <a14:hiddenFill xmlns:a14="http://schemas.microsoft.com/office/drawing/2010/main" xmlns="">
+              <a14:hiddenFill xmlns="" xmlns:a14="http://schemas.microsoft.com/office/drawing/2010/main">
                 <a:solidFill>
                   <a:srgbClr val="FFFFFF"/>
                 </a:solidFill>
               </a14:hiddenFill>
             </a:ext>
             <a:ext uri="{91240B29-F687-4F45-9708-019B960494DF}">
-              <a14:hiddenLine xmlns:a14="http://schemas.microsoft.com/office/drawing/2010/main" xmlns="" w="25400">
+              <a14:hiddenLine xmlns="" xmlns:a14="http://schemas.microsoft.com/office/drawing/2010/main" w="25400">
                 <a:solidFill>
                   <a:srgbClr val="000000"/>
                 </a:solidFill>
@@ -6224,7 +6224,7 @@
           <p:cNvPr id="12" name="TextBox 11">
             <a:extLst>
               <a:ext uri="{FF2B5EF4-FFF2-40B4-BE49-F238E27FC236}">
-                <a16:creationId xmlns:a16="http://schemas.microsoft.com/office/drawing/2014/main" xmlns="" id="{4718770D-5FB1-4698-B17D-1009256CFC22}"/>
+                <a16:creationId xmlns="" xmlns:a16="http://schemas.microsoft.com/office/drawing/2014/main" id="{4718770D-5FB1-4698-B17D-1009256CFC22}"/>
               </a:ext>
             </a:extLst>
           </p:cNvPr>
@@ -6245,14 +6245,14 @@
           </a:ln>
           <a:extLst>
             <a:ext uri="{909E8E84-426E-40DD-AFC4-6F175D3DCCD1}">
-              <a14:hiddenFill xmlns:a14="http://schemas.microsoft.com/office/drawing/2010/main" xmlns="">
+              <a14:hiddenFill xmlns="" xmlns:a14="http://schemas.microsoft.com/office/drawing/2010/main">
                 <a:solidFill>
                   <a:srgbClr val="FFFFFF"/>
                 </a:solidFill>
               </a14:hiddenFill>
             </a:ext>
             <a:ext uri="{91240B29-F687-4F45-9708-019B960494DF}">
-              <a14:hiddenLine xmlns:a14="http://schemas.microsoft.com/office/drawing/2010/main" xmlns="" w="25400">
+              <a14:hiddenLine xmlns="" xmlns:a14="http://schemas.microsoft.com/office/drawing/2010/main" w="25400">
                 <a:solidFill>
                   <a:srgbClr val="000000"/>
                 </a:solidFill>
@@ -6420,7 +6420,7 @@
           <p:cNvPr id="14" name="직선 연결선 13">
             <a:extLst>
               <a:ext uri="{FF2B5EF4-FFF2-40B4-BE49-F238E27FC236}">
-                <a16:creationId xmlns:a16="http://schemas.microsoft.com/office/drawing/2014/main" xmlns="" id="{B6E3A591-D165-4F39-B32E-4D9ACC83079F}"/>
+                <a16:creationId xmlns="" xmlns:a16="http://schemas.microsoft.com/office/drawing/2014/main" id="{B6E3A591-D165-4F39-B32E-4D9ACC83079F}"/>
               </a:ext>
             </a:extLst>
           </p:cNvPr>
@@ -6458,7 +6458,7 @@
           <p:cNvPr id="16" name="직선 연결선 15">
             <a:extLst>
               <a:ext uri="{FF2B5EF4-FFF2-40B4-BE49-F238E27FC236}">
-                <a16:creationId xmlns:a16="http://schemas.microsoft.com/office/drawing/2014/main" xmlns="" id="{B6E3A591-D165-4F39-B32E-4D9ACC83079F}"/>
+                <a16:creationId xmlns="" xmlns:a16="http://schemas.microsoft.com/office/drawing/2014/main" id="{B6E3A591-D165-4F39-B32E-4D9ACC83079F}"/>
               </a:ext>
             </a:extLst>
           </p:cNvPr>
@@ -6522,7 +6522,7 @@
           <p:cNvPr id="9" name="직사각형 8">
             <a:extLst>
               <a:ext uri="{FF2B5EF4-FFF2-40B4-BE49-F238E27FC236}">
-                <a16:creationId xmlns:a16="http://schemas.microsoft.com/office/drawing/2014/main" xmlns="" id="{4FA8AFAB-3045-4174-A48E-93BEC3CDB166}"/>
+                <a16:creationId xmlns="" xmlns:a16="http://schemas.microsoft.com/office/drawing/2014/main" id="{4FA8AFAB-3045-4174-A48E-93BEC3CDB166}"/>
               </a:ext>
             </a:extLst>
           </p:cNvPr>
@@ -6582,7 +6582,7 @@
           <p:cNvPr id="2" name="직선 연결선 1">
             <a:extLst>
               <a:ext uri="{FF2B5EF4-FFF2-40B4-BE49-F238E27FC236}">
-                <a16:creationId xmlns:a16="http://schemas.microsoft.com/office/drawing/2014/main" xmlns="" id="{A05F21B3-8C48-4349-BCCE-7C502034C8EB}"/>
+                <a16:creationId xmlns="" xmlns:a16="http://schemas.microsoft.com/office/drawing/2014/main" id="{A05F21B3-8C48-4349-BCCE-7C502034C8EB}"/>
               </a:ext>
             </a:extLst>
           </p:cNvPr>
@@ -6623,7 +6623,7 @@
           <p:cNvPr id="10" name="TextBox 9">
             <a:extLst>
               <a:ext uri="{FF2B5EF4-FFF2-40B4-BE49-F238E27FC236}">
-                <a16:creationId xmlns:a16="http://schemas.microsoft.com/office/drawing/2014/main" xmlns="" id="{2D3F434A-EE07-4CDA-B1CC-066BAF1F8757}"/>
+                <a16:creationId xmlns="" xmlns:a16="http://schemas.microsoft.com/office/drawing/2014/main" id="{2D3F434A-EE07-4CDA-B1CC-066BAF1F8757}"/>
               </a:ext>
             </a:extLst>
           </p:cNvPr>
@@ -6680,7 +6680,7 @@
           <p:cNvPr id="7" name="TextBox 6">
             <a:extLst>
               <a:ext uri="{FF2B5EF4-FFF2-40B4-BE49-F238E27FC236}">
-                <a16:creationId xmlns:a16="http://schemas.microsoft.com/office/drawing/2014/main" xmlns="" id="{2D4EEC55-5E16-4278-A38C-AA871B05A739}"/>
+                <a16:creationId xmlns="" xmlns:a16="http://schemas.microsoft.com/office/drawing/2014/main" id="{2D4EEC55-5E16-4278-A38C-AA871B05A739}"/>
               </a:ext>
             </a:extLst>
           </p:cNvPr>
@@ -6747,7 +6747,7 @@
           <p:cNvPr id="8" name="TextBox 7">
             <a:extLst>
               <a:ext uri="{FF2B5EF4-FFF2-40B4-BE49-F238E27FC236}">
-                <a16:creationId xmlns:a16="http://schemas.microsoft.com/office/drawing/2014/main" xmlns="" id="{A0A3E0FF-CB76-4657-803A-0B64F89C8697}"/>
+                <a16:creationId xmlns="" xmlns:a16="http://schemas.microsoft.com/office/drawing/2014/main" id="{A0A3E0FF-CB76-4657-803A-0B64F89C8697}"/>
               </a:ext>
             </a:extLst>
           </p:cNvPr>
@@ -6768,14 +6768,14 @@
           </a:ln>
           <a:extLst>
             <a:ext uri="{909E8E84-426E-40DD-AFC4-6F175D3DCCD1}">
-              <a14:hiddenFill xmlns:a14="http://schemas.microsoft.com/office/drawing/2010/main" xmlns="">
+              <a14:hiddenFill xmlns="" xmlns:a14="http://schemas.microsoft.com/office/drawing/2010/main">
                 <a:solidFill>
                   <a:srgbClr val="FFFFFF"/>
                 </a:solidFill>
               </a14:hiddenFill>
             </a:ext>
             <a:ext uri="{91240B29-F687-4F45-9708-019B960494DF}">
-              <a14:hiddenLine xmlns:a14="http://schemas.microsoft.com/office/drawing/2010/main" xmlns="" w="25400">
+              <a14:hiddenLine xmlns="" xmlns:a14="http://schemas.microsoft.com/office/drawing/2010/main" w="25400">
                 <a:solidFill>
                   <a:srgbClr val="000000"/>
                 </a:solidFill>
@@ -6854,7 +6854,7 @@
           <p:cNvPr id="11" name="TextBox 10">
             <a:extLst>
               <a:ext uri="{FF2B5EF4-FFF2-40B4-BE49-F238E27FC236}">
-                <a16:creationId xmlns:a16="http://schemas.microsoft.com/office/drawing/2014/main" xmlns="" id="{4DA86BD8-A5D8-49BA-A486-A116A7526E94}"/>
+                <a16:creationId xmlns="" xmlns:a16="http://schemas.microsoft.com/office/drawing/2014/main" id="{4DA86BD8-A5D8-49BA-A486-A116A7526E94}"/>
               </a:ext>
             </a:extLst>
           </p:cNvPr>
@@ -6875,14 +6875,14 @@
           </a:ln>
           <a:extLst>
             <a:ext uri="{909E8E84-426E-40DD-AFC4-6F175D3DCCD1}">
-              <a14:hiddenFill xmlns:a14="http://schemas.microsoft.com/office/drawing/2010/main" xmlns="">
+              <a14:hiddenFill xmlns="" xmlns:a14="http://schemas.microsoft.com/office/drawing/2010/main">
                 <a:solidFill>
                   <a:srgbClr val="FFFFFF"/>
                 </a:solidFill>
               </a14:hiddenFill>
             </a:ext>
             <a:ext uri="{91240B29-F687-4F45-9708-019B960494DF}">
-              <a14:hiddenLine xmlns:a14="http://schemas.microsoft.com/office/drawing/2010/main" xmlns="" w="25400">
+              <a14:hiddenLine xmlns="" xmlns:a14="http://schemas.microsoft.com/office/drawing/2010/main" w="25400">
                 <a:solidFill>
                   <a:srgbClr val="000000"/>
                 </a:solidFill>
@@ -7097,7 +7097,7 @@
           <p:cNvPr id="9" name="직사각형 8">
             <a:extLst>
               <a:ext uri="{FF2B5EF4-FFF2-40B4-BE49-F238E27FC236}">
-                <a16:creationId xmlns:a16="http://schemas.microsoft.com/office/drawing/2014/main" xmlns="" id="{4FA8AFAB-3045-4174-A48E-93BEC3CDB166}"/>
+                <a16:creationId xmlns="" xmlns:a16="http://schemas.microsoft.com/office/drawing/2014/main" id="{4FA8AFAB-3045-4174-A48E-93BEC3CDB166}"/>
               </a:ext>
             </a:extLst>
           </p:cNvPr>
@@ -7157,7 +7157,7 @@
           <p:cNvPr id="2" name="직선 연결선 1">
             <a:extLst>
               <a:ext uri="{FF2B5EF4-FFF2-40B4-BE49-F238E27FC236}">
-                <a16:creationId xmlns:a16="http://schemas.microsoft.com/office/drawing/2014/main" xmlns="" id="{A05F21B3-8C48-4349-BCCE-7C502034C8EB}"/>
+                <a16:creationId xmlns="" xmlns:a16="http://schemas.microsoft.com/office/drawing/2014/main" id="{A05F21B3-8C48-4349-BCCE-7C502034C8EB}"/>
               </a:ext>
             </a:extLst>
           </p:cNvPr>
@@ -7198,7 +7198,7 @@
           <p:cNvPr id="10" name="TextBox 9">
             <a:extLst>
               <a:ext uri="{FF2B5EF4-FFF2-40B4-BE49-F238E27FC236}">
-                <a16:creationId xmlns:a16="http://schemas.microsoft.com/office/drawing/2014/main" xmlns="" id="{2D3F434A-EE07-4CDA-B1CC-066BAF1F8757}"/>
+                <a16:creationId xmlns="" xmlns:a16="http://schemas.microsoft.com/office/drawing/2014/main" id="{2D3F434A-EE07-4CDA-B1CC-066BAF1F8757}"/>
               </a:ext>
             </a:extLst>
           </p:cNvPr>
@@ -7255,7 +7255,7 @@
           <p:cNvPr id="7" name="TextBox 6">
             <a:extLst>
               <a:ext uri="{FF2B5EF4-FFF2-40B4-BE49-F238E27FC236}">
-                <a16:creationId xmlns:a16="http://schemas.microsoft.com/office/drawing/2014/main" xmlns="" id="{2D4EEC55-5E16-4278-A38C-AA871B05A739}"/>
+                <a16:creationId xmlns="" xmlns:a16="http://schemas.microsoft.com/office/drawing/2014/main" id="{2D4EEC55-5E16-4278-A38C-AA871B05A739}"/>
               </a:ext>
             </a:extLst>
           </p:cNvPr>
@@ -7322,7 +7322,7 @@
           <p:cNvPr id="8" name="TextBox 7">
             <a:extLst>
               <a:ext uri="{FF2B5EF4-FFF2-40B4-BE49-F238E27FC236}">
-                <a16:creationId xmlns:a16="http://schemas.microsoft.com/office/drawing/2014/main" xmlns="" id="{A0A3E0FF-CB76-4657-803A-0B64F89C8697}"/>
+                <a16:creationId xmlns="" xmlns:a16="http://schemas.microsoft.com/office/drawing/2014/main" id="{A0A3E0FF-CB76-4657-803A-0B64F89C8697}"/>
               </a:ext>
             </a:extLst>
           </p:cNvPr>
@@ -7332,7 +7332,7 @@
         <p:spPr bwMode="auto">
           <a:xfrm>
             <a:off x="139700" y="1846960"/>
-            <a:ext cx="4602542" cy="492443"/>
+            <a:ext cx="11121955" cy="492443"/>
           </a:xfrm>
           <a:prstGeom prst="rect">
             <a:avLst/>
@@ -7343,14 +7343,14 @@
           </a:ln>
           <a:extLst>
             <a:ext uri="{909E8E84-426E-40DD-AFC4-6F175D3DCCD1}">
-              <a14:hiddenFill xmlns:a14="http://schemas.microsoft.com/office/drawing/2010/main" xmlns="">
+              <a14:hiddenFill xmlns="" xmlns:a14="http://schemas.microsoft.com/office/drawing/2010/main">
                 <a:solidFill>
                   <a:srgbClr val="FFFFFF"/>
                 </a:solidFill>
               </a14:hiddenFill>
             </a:ext>
             <a:ext uri="{91240B29-F687-4F45-9708-019B960494DF}">
-              <a14:hiddenLine xmlns:a14="http://schemas.microsoft.com/office/drawing/2010/main" xmlns="" w="25400">
+              <a14:hiddenLine xmlns="" xmlns:a14="http://schemas.microsoft.com/office/drawing/2010/main" w="25400">
                 <a:solidFill>
                   <a:srgbClr val="000000"/>
                 </a:solidFill>
@@ -7380,16 +7380,28 @@
               <a:t>2. </a:t>
             </a:r>
             <a:r>
+              <a:rPr lang="ko-KR" altLang="en-US" sz="2000" dirty="0" smtClean="0"/>
+              <a:t>배근 상세 규정 및 안전성 확보가 검증된 </a:t>
+            </a:r>
+            <a:r>
               <a:rPr lang="en-US" altLang="ko-KR" sz="2000" b="1" dirty="0" smtClean="0"/>
-              <a:t>2D/3D </a:t>
+              <a:t>3D </a:t>
             </a:r>
             <a:r>
               <a:rPr lang="ko-KR" altLang="en-US" sz="2000" b="1" dirty="0" err="1" smtClean="0"/>
-              <a:t>하이브리드</a:t>
+              <a:t>자동배근</a:t>
             </a:r>
             <a:r>
               <a:rPr lang="ko-KR" altLang="en-US" sz="2000" b="1" dirty="0" smtClean="0"/>
-              <a:t> 골조 모델링 생성</a:t>
+              <a:t>  및  </a:t>
+            </a:r>
+            <a:r>
+              <a:rPr lang="en-US" altLang="ko-KR" sz="2000" b="1" dirty="0" smtClean="0"/>
+              <a:t>2D </a:t>
+            </a:r>
+            <a:r>
+              <a:rPr lang="ko-KR" altLang="en-US" sz="2000" b="1" dirty="0" smtClean="0"/>
+              <a:t>배근 시공도 자동화 시뮬레이션</a:t>
             </a:r>
             <a:endParaRPr kumimoji="0" lang="ko-KR" altLang="en-US" sz="2000" b="1" dirty="0">
               <a:latin typeface="210 옴니고딕 030" panose="02020603020101020101" pitchFamily="18" charset="-127"/>
@@ -7403,7 +7415,7 @@
           <p:cNvPr id="11" name="TextBox 10">
             <a:extLst>
               <a:ext uri="{FF2B5EF4-FFF2-40B4-BE49-F238E27FC236}">
-                <a16:creationId xmlns:a16="http://schemas.microsoft.com/office/drawing/2014/main" xmlns="" id="{4DA86BD8-A5D8-49BA-A486-A116A7526E94}"/>
+                <a16:creationId xmlns="" xmlns:a16="http://schemas.microsoft.com/office/drawing/2014/main" id="{4DA86BD8-A5D8-49BA-A486-A116A7526E94}"/>
               </a:ext>
             </a:extLst>
           </p:cNvPr>
@@ -7424,14 +7436,14 @@
           </a:ln>
           <a:extLst>
             <a:ext uri="{909E8E84-426E-40DD-AFC4-6F175D3DCCD1}">
-              <a14:hiddenFill xmlns:a14="http://schemas.microsoft.com/office/drawing/2010/main" xmlns="">
+              <a14:hiddenFill xmlns="" xmlns:a14="http://schemas.microsoft.com/office/drawing/2010/main">
                 <a:solidFill>
                   <a:srgbClr val="FFFFFF"/>
                 </a:solidFill>
               </a14:hiddenFill>
             </a:ext>
             <a:ext uri="{91240B29-F687-4F45-9708-019B960494DF}">
-              <a14:hiddenLine xmlns:a14="http://schemas.microsoft.com/office/drawing/2010/main" xmlns="" w="25400">
+              <a14:hiddenLine xmlns="" xmlns:a14="http://schemas.microsoft.com/office/drawing/2010/main" w="25400">
                 <a:solidFill>
                   <a:srgbClr val="000000"/>
                 </a:solidFill>
@@ -7584,7 +7596,7 @@
           <p:cNvPr id="9" name="직사각형 8">
             <a:extLst>
               <a:ext uri="{FF2B5EF4-FFF2-40B4-BE49-F238E27FC236}">
-                <a16:creationId xmlns:a16="http://schemas.microsoft.com/office/drawing/2014/main" xmlns="" id="{4FA8AFAB-3045-4174-A48E-93BEC3CDB166}"/>
+                <a16:creationId xmlns="" xmlns:a16="http://schemas.microsoft.com/office/drawing/2014/main" id="{4FA8AFAB-3045-4174-A48E-93BEC3CDB166}"/>
               </a:ext>
             </a:extLst>
           </p:cNvPr>
@@ -7644,7 +7656,7 @@
           <p:cNvPr id="2" name="직선 연결선 1">
             <a:extLst>
               <a:ext uri="{FF2B5EF4-FFF2-40B4-BE49-F238E27FC236}">
-                <a16:creationId xmlns:a16="http://schemas.microsoft.com/office/drawing/2014/main" xmlns="" id="{A05F21B3-8C48-4349-BCCE-7C502034C8EB}"/>
+                <a16:creationId xmlns="" xmlns:a16="http://schemas.microsoft.com/office/drawing/2014/main" id="{A05F21B3-8C48-4349-BCCE-7C502034C8EB}"/>
               </a:ext>
             </a:extLst>
           </p:cNvPr>
@@ -7685,7 +7697,7 @@
           <p:cNvPr id="10" name="TextBox 9">
             <a:extLst>
               <a:ext uri="{FF2B5EF4-FFF2-40B4-BE49-F238E27FC236}">
-                <a16:creationId xmlns:a16="http://schemas.microsoft.com/office/drawing/2014/main" xmlns="" id="{2D3F434A-EE07-4CDA-B1CC-066BAF1F8757}"/>
+                <a16:creationId xmlns="" xmlns:a16="http://schemas.microsoft.com/office/drawing/2014/main" id="{2D3F434A-EE07-4CDA-B1CC-066BAF1F8757}"/>
               </a:ext>
             </a:extLst>
           </p:cNvPr>
@@ -7742,7 +7754,7 @@
           <p:cNvPr id="7" name="TextBox 6">
             <a:extLst>
               <a:ext uri="{FF2B5EF4-FFF2-40B4-BE49-F238E27FC236}">
-                <a16:creationId xmlns:a16="http://schemas.microsoft.com/office/drawing/2014/main" xmlns="" id="{2D4EEC55-5E16-4278-A38C-AA871B05A739}"/>
+                <a16:creationId xmlns="" xmlns:a16="http://schemas.microsoft.com/office/drawing/2014/main" id="{2D4EEC55-5E16-4278-A38C-AA871B05A739}"/>
               </a:ext>
             </a:extLst>
           </p:cNvPr>
@@ -7809,7 +7821,7 @@
           <p:cNvPr id="8" name="TextBox 7">
             <a:extLst>
               <a:ext uri="{FF2B5EF4-FFF2-40B4-BE49-F238E27FC236}">
-                <a16:creationId xmlns:a16="http://schemas.microsoft.com/office/drawing/2014/main" xmlns="" id="{A0A3E0FF-CB76-4657-803A-0B64F89C8697}"/>
+                <a16:creationId xmlns="" xmlns:a16="http://schemas.microsoft.com/office/drawing/2014/main" id="{A0A3E0FF-CB76-4657-803A-0B64F89C8697}"/>
               </a:ext>
             </a:extLst>
           </p:cNvPr>
@@ -7830,14 +7842,14 @@
           </a:ln>
           <a:extLst>
             <a:ext uri="{909E8E84-426E-40DD-AFC4-6F175D3DCCD1}">
-              <a14:hiddenFill xmlns:a14="http://schemas.microsoft.com/office/drawing/2010/main" xmlns="">
+              <a14:hiddenFill xmlns="" xmlns:a14="http://schemas.microsoft.com/office/drawing/2010/main">
                 <a:solidFill>
                   <a:srgbClr val="FFFFFF"/>
                 </a:solidFill>
               </a14:hiddenFill>
             </a:ext>
             <a:ext uri="{91240B29-F687-4F45-9708-019B960494DF}">
-              <a14:hiddenLine xmlns:a14="http://schemas.microsoft.com/office/drawing/2010/main" xmlns="" w="25400">
+              <a14:hiddenLine xmlns="" xmlns:a14="http://schemas.microsoft.com/office/drawing/2010/main" w="25400">
                 <a:solidFill>
                   <a:srgbClr val="000000"/>
                 </a:solidFill>
@@ -7882,7 +7894,7 @@
           <p:cNvPr id="11" name="TextBox 10">
             <a:extLst>
               <a:ext uri="{FF2B5EF4-FFF2-40B4-BE49-F238E27FC236}">
-                <a16:creationId xmlns:a16="http://schemas.microsoft.com/office/drawing/2014/main" xmlns="" id="{4DA86BD8-A5D8-49BA-A486-A116A7526E94}"/>
+                <a16:creationId xmlns="" xmlns:a16="http://schemas.microsoft.com/office/drawing/2014/main" id="{4DA86BD8-A5D8-49BA-A486-A116A7526E94}"/>
               </a:ext>
             </a:extLst>
           </p:cNvPr>
@@ -7903,14 +7915,14 @@
           </a:ln>
           <a:extLst>
             <a:ext uri="{909E8E84-426E-40DD-AFC4-6F175D3DCCD1}">
-              <a14:hiddenFill xmlns:a14="http://schemas.microsoft.com/office/drawing/2010/main" xmlns="">
+              <a14:hiddenFill xmlns="" xmlns:a14="http://schemas.microsoft.com/office/drawing/2010/main">
                 <a:solidFill>
                   <a:srgbClr val="FFFFFF"/>
                 </a:solidFill>
               </a14:hiddenFill>
             </a:ext>
             <a:ext uri="{91240B29-F687-4F45-9708-019B960494DF}">
-              <a14:hiddenLine xmlns:a14="http://schemas.microsoft.com/office/drawing/2010/main" xmlns="" w="25400">
+              <a14:hiddenLine xmlns="" xmlns:a14="http://schemas.microsoft.com/office/drawing/2010/main" w="25400">
                 <a:solidFill>
                   <a:srgbClr val="000000"/>
                 </a:solidFill>
@@ -8129,7 +8141,7 @@
           <p:cNvPr id="9" name="직사각형 8">
             <a:extLst>
               <a:ext uri="{FF2B5EF4-FFF2-40B4-BE49-F238E27FC236}">
-                <a16:creationId xmlns:a16="http://schemas.microsoft.com/office/drawing/2014/main" xmlns="" id="{4FA8AFAB-3045-4174-A48E-93BEC3CDB166}"/>
+                <a16:creationId xmlns="" xmlns:a16="http://schemas.microsoft.com/office/drawing/2014/main" id="{4FA8AFAB-3045-4174-A48E-93BEC3CDB166}"/>
               </a:ext>
             </a:extLst>
           </p:cNvPr>
@@ -8189,7 +8201,7 @@
           <p:cNvPr id="2" name="직선 연결선 1">
             <a:extLst>
               <a:ext uri="{FF2B5EF4-FFF2-40B4-BE49-F238E27FC236}">
-                <a16:creationId xmlns:a16="http://schemas.microsoft.com/office/drawing/2014/main" xmlns="" id="{A05F21B3-8C48-4349-BCCE-7C502034C8EB}"/>
+                <a16:creationId xmlns="" xmlns:a16="http://schemas.microsoft.com/office/drawing/2014/main" id="{A05F21B3-8C48-4349-BCCE-7C502034C8EB}"/>
               </a:ext>
             </a:extLst>
           </p:cNvPr>
@@ -8230,7 +8242,7 @@
           <p:cNvPr id="10" name="TextBox 9">
             <a:extLst>
               <a:ext uri="{FF2B5EF4-FFF2-40B4-BE49-F238E27FC236}">
-                <a16:creationId xmlns:a16="http://schemas.microsoft.com/office/drawing/2014/main" xmlns="" id="{2D3F434A-EE07-4CDA-B1CC-066BAF1F8757}"/>
+                <a16:creationId xmlns="" xmlns:a16="http://schemas.microsoft.com/office/drawing/2014/main" id="{2D3F434A-EE07-4CDA-B1CC-066BAF1F8757}"/>
               </a:ext>
             </a:extLst>
           </p:cNvPr>
@@ -8287,7 +8299,7 @@
           <p:cNvPr id="7" name="TextBox 6">
             <a:extLst>
               <a:ext uri="{FF2B5EF4-FFF2-40B4-BE49-F238E27FC236}">
-                <a16:creationId xmlns:a16="http://schemas.microsoft.com/office/drawing/2014/main" xmlns="" id="{2D4EEC55-5E16-4278-A38C-AA871B05A739}"/>
+                <a16:creationId xmlns="" xmlns:a16="http://schemas.microsoft.com/office/drawing/2014/main" id="{2D4EEC55-5E16-4278-A38C-AA871B05A739}"/>
               </a:ext>
             </a:extLst>
           </p:cNvPr>
@@ -9698,21 +9710,7 @@
                 <a:latin typeface="210 옴니고딕 030" panose="02020603020101020101" pitchFamily="18" charset="-127"/>
                 <a:ea typeface="210 옴니고딕 030" panose="02020603020101020101" pitchFamily="18" charset="-127"/>
               </a:rPr>
-              <a:t> </a:t>
-            </a:r>
-            <a:r>
-              <a:rPr kumimoji="0" lang="en-US" altLang="ko-KR" sz="2000" b="1" dirty="0" smtClean="0">
-                <a:latin typeface="210 옴니고딕 030" panose="02020603020101020101" pitchFamily="18" charset="-127"/>
-                <a:ea typeface="210 옴니고딕 030" panose="02020603020101020101" pitchFamily="18" charset="-127"/>
-              </a:rPr>
-              <a:t>   </a:t>
-            </a:r>
-            <a:r>
-              <a:rPr kumimoji="0" lang="en-US" altLang="ko-KR" sz="2000" b="1" dirty="0" smtClean="0">
-                <a:latin typeface="210 옴니고딕 030" panose="02020603020101020101" pitchFamily="18" charset="-127"/>
-                <a:ea typeface="210 옴니고딕 030" panose="02020603020101020101" pitchFamily="18" charset="-127"/>
-              </a:rPr>
-              <a:t>1</a:t>
+              <a:t>    1</a:t>
             </a:r>
             <a:r>
               <a:rPr kumimoji="0" lang="en-US" altLang="ko-KR" sz="2000" b="1" dirty="0">
@@ -11725,7 +11723,7 @@
           <p:cNvPr id="9" name="직사각형 8">
             <a:extLst>
               <a:ext uri="{FF2B5EF4-FFF2-40B4-BE49-F238E27FC236}">
-                <a16:creationId xmlns:a16="http://schemas.microsoft.com/office/drawing/2014/main" xmlns="" id="{52C06290-92E4-47CC-9CC9-DB9CCC3277D4}"/>
+                <a16:creationId xmlns="" xmlns:a16="http://schemas.microsoft.com/office/drawing/2014/main" id="{52C06290-92E4-47CC-9CC9-DB9CCC3277D4}"/>
               </a:ext>
             </a:extLst>
           </p:cNvPr>
@@ -11785,7 +11783,7 @@
           <p:cNvPr id="2" name="직선 연결선 1">
             <a:extLst>
               <a:ext uri="{FF2B5EF4-FFF2-40B4-BE49-F238E27FC236}">
-                <a16:creationId xmlns:a16="http://schemas.microsoft.com/office/drawing/2014/main" xmlns="" id="{3BB1799E-5391-4610-94E3-C4A3F0465DAD}"/>
+                <a16:creationId xmlns="" xmlns:a16="http://schemas.microsoft.com/office/drawing/2014/main" id="{3BB1799E-5391-4610-94E3-C4A3F0465DAD}"/>
               </a:ext>
             </a:extLst>
           </p:cNvPr>
@@ -11826,7 +11824,7 @@
           <p:cNvPr id="4" name="TextBox 3">
             <a:extLst>
               <a:ext uri="{FF2B5EF4-FFF2-40B4-BE49-F238E27FC236}">
-                <a16:creationId xmlns:a16="http://schemas.microsoft.com/office/drawing/2014/main" xmlns="" id="{2D3F434A-EE07-4CDA-B1CC-066BAF1F8757}"/>
+                <a16:creationId xmlns="" xmlns:a16="http://schemas.microsoft.com/office/drawing/2014/main" id="{2D3F434A-EE07-4CDA-B1CC-066BAF1F8757}"/>
               </a:ext>
             </a:extLst>
           </p:cNvPr>
@@ -11883,7 +11881,7 @@
           <p:cNvPr id="6" name="TextBox 5">
             <a:extLst>
               <a:ext uri="{FF2B5EF4-FFF2-40B4-BE49-F238E27FC236}">
-                <a16:creationId xmlns:a16="http://schemas.microsoft.com/office/drawing/2014/main" xmlns="" id="{2F23500B-C3A1-4ECC-9944-437E42C3A0BF}"/>
+                <a16:creationId xmlns="" xmlns:a16="http://schemas.microsoft.com/office/drawing/2014/main" id="{2F23500B-C3A1-4ECC-9944-437E42C3A0BF}"/>
               </a:ext>
             </a:extLst>
           </p:cNvPr>
@@ -11970,7 +11968,7 @@
           <p:cNvPr id="67" name="TextBox 15">
             <a:extLst>
               <a:ext uri="{FF2B5EF4-FFF2-40B4-BE49-F238E27FC236}">
-                <a16:creationId xmlns:a16="http://schemas.microsoft.com/office/drawing/2014/main" xmlns="" id="{6DA8CAE8-4048-466A-944E-AD197DA34E71}"/>
+                <a16:creationId xmlns="" xmlns:a16="http://schemas.microsoft.com/office/drawing/2014/main" id="{6DA8CAE8-4048-466A-944E-AD197DA34E71}"/>
               </a:ext>
             </a:extLst>
           </p:cNvPr>
@@ -11993,14 +11991,14 @@
           </a:ln>
           <a:extLst>
             <a:ext uri="{909E8E84-426E-40DD-AFC4-6F175D3DCCD1}">
-              <a14:hiddenFill xmlns:a14="http://schemas.microsoft.com/office/drawing/2010/main" xmlns="">
+              <a14:hiddenFill xmlns="" xmlns:a14="http://schemas.microsoft.com/office/drawing/2010/main">
                 <a:solidFill>
                   <a:srgbClr val="FFFFFF"/>
                 </a:solidFill>
               </a14:hiddenFill>
             </a:ext>
             <a:ext uri="{91240B29-F687-4F45-9708-019B960494DF}">
-              <a14:hiddenLine xmlns:a14="http://schemas.microsoft.com/office/drawing/2010/main" xmlns="" w="25400">
+              <a14:hiddenLine xmlns="" xmlns:a14="http://schemas.microsoft.com/office/drawing/2010/main" w="25400">
                 <a:solidFill>
                   <a:srgbClr val="000000"/>
                 </a:solidFill>
@@ -12223,7 +12221,7 @@
           <p:cNvPr id="15" name="TextBox 15">
             <a:extLst>
               <a:ext uri="{FF2B5EF4-FFF2-40B4-BE49-F238E27FC236}">
-                <a16:creationId xmlns:a16="http://schemas.microsoft.com/office/drawing/2014/main" xmlns="" id="{6DA8CAE8-4048-466A-944E-AD197DA34E71}"/>
+                <a16:creationId xmlns="" xmlns:a16="http://schemas.microsoft.com/office/drawing/2014/main" id="{6DA8CAE8-4048-466A-944E-AD197DA34E71}"/>
               </a:ext>
             </a:extLst>
           </p:cNvPr>
@@ -12246,14 +12244,14 @@
           </a:ln>
           <a:extLst>
             <a:ext uri="{909E8E84-426E-40DD-AFC4-6F175D3DCCD1}">
-              <a14:hiddenFill xmlns:a14="http://schemas.microsoft.com/office/drawing/2010/main" xmlns="">
+              <a14:hiddenFill xmlns="" xmlns:a14="http://schemas.microsoft.com/office/drawing/2010/main">
                 <a:solidFill>
                   <a:srgbClr val="FFFFFF"/>
                 </a:solidFill>
               </a14:hiddenFill>
             </a:ext>
             <a:ext uri="{91240B29-F687-4F45-9708-019B960494DF}">
-              <a14:hiddenLine xmlns:a14="http://schemas.microsoft.com/office/drawing/2010/main" xmlns="" w="25400">
+              <a14:hiddenLine xmlns="" xmlns:a14="http://schemas.microsoft.com/office/drawing/2010/main" w="25400">
                 <a:solidFill>
                   <a:srgbClr val="000000"/>
                 </a:solidFill>
@@ -12428,7 +12426,7 @@
           <p:cNvPr id="16" name="TextBox 15">
             <a:extLst>
               <a:ext uri="{FF2B5EF4-FFF2-40B4-BE49-F238E27FC236}">
-                <a16:creationId xmlns:a16="http://schemas.microsoft.com/office/drawing/2014/main" xmlns="" id="{6DA8CAE8-4048-466A-944E-AD197DA34E71}"/>
+                <a16:creationId xmlns="" xmlns:a16="http://schemas.microsoft.com/office/drawing/2014/main" id="{6DA8CAE8-4048-466A-944E-AD197DA34E71}"/>
               </a:ext>
             </a:extLst>
           </p:cNvPr>
@@ -12451,14 +12449,14 @@
           </a:ln>
           <a:extLst>
             <a:ext uri="{909E8E84-426E-40DD-AFC4-6F175D3DCCD1}">
-              <a14:hiddenFill xmlns:a14="http://schemas.microsoft.com/office/drawing/2010/main" xmlns="">
+              <a14:hiddenFill xmlns="" xmlns:a14="http://schemas.microsoft.com/office/drawing/2010/main">
                 <a:solidFill>
                   <a:srgbClr val="FFFFFF"/>
                 </a:solidFill>
               </a14:hiddenFill>
             </a:ext>
             <a:ext uri="{91240B29-F687-4F45-9708-019B960494DF}">
-              <a14:hiddenLine xmlns:a14="http://schemas.microsoft.com/office/drawing/2010/main" xmlns="" w="25400">
+              <a14:hiddenLine xmlns="" xmlns:a14="http://schemas.microsoft.com/office/drawing/2010/main" w="25400">
                 <a:solidFill>
                   <a:srgbClr val="000000"/>
                 </a:solidFill>
@@ -12760,7 +12758,7 @@
           <p:cNvPr id="9" name="직사각형 8">
             <a:extLst>
               <a:ext uri="{FF2B5EF4-FFF2-40B4-BE49-F238E27FC236}">
-                <a16:creationId xmlns:a16="http://schemas.microsoft.com/office/drawing/2014/main" xmlns="" id="{52C06290-92E4-47CC-9CC9-DB9CCC3277D4}"/>
+                <a16:creationId xmlns="" xmlns:a16="http://schemas.microsoft.com/office/drawing/2014/main" id="{52C06290-92E4-47CC-9CC9-DB9CCC3277D4}"/>
               </a:ext>
             </a:extLst>
           </p:cNvPr>
@@ -12820,7 +12818,7 @@
           <p:cNvPr id="2" name="직선 연결선 1">
             <a:extLst>
               <a:ext uri="{FF2B5EF4-FFF2-40B4-BE49-F238E27FC236}">
-                <a16:creationId xmlns:a16="http://schemas.microsoft.com/office/drawing/2014/main" xmlns="" id="{3BB1799E-5391-4610-94E3-C4A3F0465DAD}"/>
+                <a16:creationId xmlns="" xmlns:a16="http://schemas.microsoft.com/office/drawing/2014/main" id="{3BB1799E-5391-4610-94E3-C4A3F0465DAD}"/>
               </a:ext>
             </a:extLst>
           </p:cNvPr>
@@ -12861,7 +12859,7 @@
           <p:cNvPr id="4" name="TextBox 3">
             <a:extLst>
               <a:ext uri="{FF2B5EF4-FFF2-40B4-BE49-F238E27FC236}">
-                <a16:creationId xmlns:a16="http://schemas.microsoft.com/office/drawing/2014/main" xmlns="" id="{2D3F434A-EE07-4CDA-B1CC-066BAF1F8757}"/>
+                <a16:creationId xmlns="" xmlns:a16="http://schemas.microsoft.com/office/drawing/2014/main" id="{2D3F434A-EE07-4CDA-B1CC-066BAF1F8757}"/>
               </a:ext>
             </a:extLst>
           </p:cNvPr>
@@ -12918,7 +12916,7 @@
           <p:cNvPr id="6" name="TextBox 5">
             <a:extLst>
               <a:ext uri="{FF2B5EF4-FFF2-40B4-BE49-F238E27FC236}">
-                <a16:creationId xmlns:a16="http://schemas.microsoft.com/office/drawing/2014/main" xmlns="" id="{2F23500B-C3A1-4ECC-9944-437E42C3A0BF}"/>
+                <a16:creationId xmlns="" xmlns:a16="http://schemas.microsoft.com/office/drawing/2014/main" id="{2F23500B-C3A1-4ECC-9944-437E42C3A0BF}"/>
               </a:ext>
             </a:extLst>
           </p:cNvPr>
@@ -13005,7 +13003,7 @@
           <p:cNvPr id="67" name="TextBox 15">
             <a:extLst>
               <a:ext uri="{FF2B5EF4-FFF2-40B4-BE49-F238E27FC236}">
-                <a16:creationId xmlns:a16="http://schemas.microsoft.com/office/drawing/2014/main" xmlns="" id="{6DA8CAE8-4048-466A-944E-AD197DA34E71}"/>
+                <a16:creationId xmlns="" xmlns:a16="http://schemas.microsoft.com/office/drawing/2014/main" id="{6DA8CAE8-4048-466A-944E-AD197DA34E71}"/>
               </a:ext>
             </a:extLst>
           </p:cNvPr>
@@ -13028,14 +13026,14 @@
           </a:ln>
           <a:extLst>
             <a:ext uri="{909E8E84-426E-40DD-AFC4-6F175D3DCCD1}">
-              <a14:hiddenFill xmlns:a14="http://schemas.microsoft.com/office/drawing/2010/main" xmlns="">
+              <a14:hiddenFill xmlns="" xmlns:a14="http://schemas.microsoft.com/office/drawing/2010/main">
                 <a:solidFill>
                   <a:srgbClr val="FFFFFF"/>
                 </a:solidFill>
               </a14:hiddenFill>
             </a:ext>
             <a:ext uri="{91240B29-F687-4F45-9708-019B960494DF}">
-              <a14:hiddenLine xmlns:a14="http://schemas.microsoft.com/office/drawing/2010/main" xmlns="" w="25400">
+              <a14:hiddenLine xmlns="" xmlns:a14="http://schemas.microsoft.com/office/drawing/2010/main" w="25400">
                 <a:solidFill>
                   <a:srgbClr val="000000"/>
                 </a:solidFill>
@@ -13282,7 +13280,7 @@
           <p:cNvPr id="23" name="TextBox 15">
             <a:extLst>
               <a:ext uri="{FF2B5EF4-FFF2-40B4-BE49-F238E27FC236}">
-                <a16:creationId xmlns:a16="http://schemas.microsoft.com/office/drawing/2014/main" xmlns="" id="{6DA8CAE8-4048-466A-944E-AD197DA34E71}"/>
+                <a16:creationId xmlns="" xmlns:a16="http://schemas.microsoft.com/office/drawing/2014/main" id="{6DA8CAE8-4048-466A-944E-AD197DA34E71}"/>
               </a:ext>
             </a:extLst>
           </p:cNvPr>
@@ -13305,14 +13303,14 @@
           </a:ln>
           <a:extLst>
             <a:ext uri="{909E8E84-426E-40DD-AFC4-6F175D3DCCD1}">
-              <a14:hiddenFill xmlns:a14="http://schemas.microsoft.com/office/drawing/2010/main" xmlns="">
+              <a14:hiddenFill xmlns="" xmlns:a14="http://schemas.microsoft.com/office/drawing/2010/main">
                 <a:solidFill>
                   <a:srgbClr val="FFFFFF"/>
                 </a:solidFill>
               </a14:hiddenFill>
             </a:ext>
             <a:ext uri="{91240B29-F687-4F45-9708-019B960494DF}">
-              <a14:hiddenLine xmlns:a14="http://schemas.microsoft.com/office/drawing/2010/main" xmlns="" w="25400">
+              <a14:hiddenLine xmlns="" xmlns:a14="http://schemas.microsoft.com/office/drawing/2010/main" w="25400">
                 <a:solidFill>
                   <a:srgbClr val="000000"/>
                 </a:solidFill>
@@ -13455,7 +13453,7 @@
           <p:cNvPr id="25" name="TextBox 15">
             <a:extLst>
               <a:ext uri="{FF2B5EF4-FFF2-40B4-BE49-F238E27FC236}">
-                <a16:creationId xmlns:a16="http://schemas.microsoft.com/office/drawing/2014/main" xmlns="" id="{6DA8CAE8-4048-466A-944E-AD197DA34E71}"/>
+                <a16:creationId xmlns="" xmlns:a16="http://schemas.microsoft.com/office/drawing/2014/main" id="{6DA8CAE8-4048-466A-944E-AD197DA34E71}"/>
               </a:ext>
             </a:extLst>
           </p:cNvPr>
@@ -13480,14 +13478,14 @@
           </a:ln>
           <a:extLst>
             <a:ext uri="{909E8E84-426E-40DD-AFC4-6F175D3DCCD1}">
-              <a14:hiddenFill xmlns:a14="http://schemas.microsoft.com/office/drawing/2010/main" xmlns="">
+              <a14:hiddenFill xmlns="" xmlns:a14="http://schemas.microsoft.com/office/drawing/2010/main">
                 <a:solidFill>
                   <a:srgbClr val="FFFFFF"/>
                 </a:solidFill>
               </a14:hiddenFill>
             </a:ext>
             <a:ext uri="{91240B29-F687-4F45-9708-019B960494DF}">
-              <a14:hiddenLine xmlns:a14="http://schemas.microsoft.com/office/drawing/2010/main" xmlns="" w="25400">
+              <a14:hiddenLine xmlns="" xmlns:a14="http://schemas.microsoft.com/office/drawing/2010/main" w="25400">
                 <a:solidFill>
                   <a:srgbClr val="000000"/>
                 </a:solidFill>
@@ -13630,7 +13628,7 @@
           <p:cNvPr id="14" name="TextBox 15">
             <a:extLst>
               <a:ext uri="{FF2B5EF4-FFF2-40B4-BE49-F238E27FC236}">
-                <a16:creationId xmlns:a16="http://schemas.microsoft.com/office/drawing/2014/main" xmlns="" id="{6DA8CAE8-4048-466A-944E-AD197DA34E71}"/>
+                <a16:creationId xmlns="" xmlns:a16="http://schemas.microsoft.com/office/drawing/2014/main" id="{6DA8CAE8-4048-466A-944E-AD197DA34E71}"/>
               </a:ext>
             </a:extLst>
           </p:cNvPr>
@@ -13655,14 +13653,14 @@
           </a:ln>
           <a:extLst>
             <a:ext uri="{909E8E84-426E-40DD-AFC4-6F175D3DCCD1}">
-              <a14:hiddenFill xmlns:a14="http://schemas.microsoft.com/office/drawing/2010/main" xmlns="">
+              <a14:hiddenFill xmlns="" xmlns:a14="http://schemas.microsoft.com/office/drawing/2010/main">
                 <a:solidFill>
                   <a:srgbClr val="FFFFFF"/>
                 </a:solidFill>
               </a14:hiddenFill>
             </a:ext>
             <a:ext uri="{91240B29-F687-4F45-9708-019B960494DF}">
-              <a14:hiddenLine xmlns:a14="http://schemas.microsoft.com/office/drawing/2010/main" xmlns="" w="25400">
+              <a14:hiddenLine xmlns="" xmlns:a14="http://schemas.microsoft.com/office/drawing/2010/main" w="25400">
                 <a:solidFill>
                   <a:srgbClr val="000000"/>
                 </a:solidFill>
@@ -14008,7 +14006,7 @@
           <p:cNvPr id="9" name="직사각형 8">
             <a:extLst>
               <a:ext uri="{FF2B5EF4-FFF2-40B4-BE49-F238E27FC236}">
-                <a16:creationId xmlns:a16="http://schemas.microsoft.com/office/drawing/2014/main" xmlns="" id="{52C06290-92E4-47CC-9CC9-DB9CCC3277D4}"/>
+                <a16:creationId xmlns="" xmlns:a16="http://schemas.microsoft.com/office/drawing/2014/main" id="{52C06290-92E4-47CC-9CC9-DB9CCC3277D4}"/>
               </a:ext>
             </a:extLst>
           </p:cNvPr>
@@ -14068,7 +14066,7 @@
           <p:cNvPr id="2" name="직선 연결선 1">
             <a:extLst>
               <a:ext uri="{FF2B5EF4-FFF2-40B4-BE49-F238E27FC236}">
-                <a16:creationId xmlns:a16="http://schemas.microsoft.com/office/drawing/2014/main" xmlns="" id="{3BB1799E-5391-4610-94E3-C4A3F0465DAD}"/>
+                <a16:creationId xmlns="" xmlns:a16="http://schemas.microsoft.com/office/drawing/2014/main" id="{3BB1799E-5391-4610-94E3-C4A3F0465DAD}"/>
               </a:ext>
             </a:extLst>
           </p:cNvPr>
@@ -14109,7 +14107,7 @@
           <p:cNvPr id="4" name="TextBox 3">
             <a:extLst>
               <a:ext uri="{FF2B5EF4-FFF2-40B4-BE49-F238E27FC236}">
-                <a16:creationId xmlns:a16="http://schemas.microsoft.com/office/drawing/2014/main" xmlns="" id="{2D3F434A-EE07-4CDA-B1CC-066BAF1F8757}"/>
+                <a16:creationId xmlns="" xmlns:a16="http://schemas.microsoft.com/office/drawing/2014/main" id="{2D3F434A-EE07-4CDA-B1CC-066BAF1F8757}"/>
               </a:ext>
             </a:extLst>
           </p:cNvPr>
@@ -14166,7 +14164,7 @@
           <p:cNvPr id="6" name="TextBox 5">
             <a:extLst>
               <a:ext uri="{FF2B5EF4-FFF2-40B4-BE49-F238E27FC236}">
-                <a16:creationId xmlns:a16="http://schemas.microsoft.com/office/drawing/2014/main" xmlns="" id="{2F23500B-C3A1-4ECC-9944-437E42C3A0BF}"/>
+                <a16:creationId xmlns="" xmlns:a16="http://schemas.microsoft.com/office/drawing/2014/main" id="{2F23500B-C3A1-4ECC-9944-437E42C3A0BF}"/>
               </a:ext>
             </a:extLst>
           </p:cNvPr>
@@ -14253,7 +14251,7 @@
           <p:cNvPr id="67" name="TextBox 15">
             <a:extLst>
               <a:ext uri="{FF2B5EF4-FFF2-40B4-BE49-F238E27FC236}">
-                <a16:creationId xmlns:a16="http://schemas.microsoft.com/office/drawing/2014/main" xmlns="" id="{6DA8CAE8-4048-466A-944E-AD197DA34E71}"/>
+                <a16:creationId xmlns="" xmlns:a16="http://schemas.microsoft.com/office/drawing/2014/main" id="{6DA8CAE8-4048-466A-944E-AD197DA34E71}"/>
               </a:ext>
             </a:extLst>
           </p:cNvPr>
@@ -14276,14 +14274,14 @@
           </a:ln>
           <a:extLst>
             <a:ext uri="{909E8E84-426E-40DD-AFC4-6F175D3DCCD1}">
-              <a14:hiddenFill xmlns:a14="http://schemas.microsoft.com/office/drawing/2010/main" xmlns="">
+              <a14:hiddenFill xmlns="" xmlns:a14="http://schemas.microsoft.com/office/drawing/2010/main">
                 <a:solidFill>
                   <a:srgbClr val="FFFFFF"/>
                 </a:solidFill>
               </a14:hiddenFill>
             </a:ext>
             <a:ext uri="{91240B29-F687-4F45-9708-019B960494DF}">
-              <a14:hiddenLine xmlns:a14="http://schemas.microsoft.com/office/drawing/2010/main" xmlns="" w="25400">
+              <a14:hiddenLine xmlns="" xmlns:a14="http://schemas.microsoft.com/office/drawing/2010/main" w="25400">
                 <a:solidFill>
                   <a:srgbClr val="000000"/>
                 </a:solidFill>
@@ -14460,7 +14458,7 @@
           <p:cNvPr id="21" name="TextBox 15">
             <a:extLst>
               <a:ext uri="{FF2B5EF4-FFF2-40B4-BE49-F238E27FC236}">
-                <a16:creationId xmlns:a16="http://schemas.microsoft.com/office/drawing/2014/main" xmlns="" id="{6DA8CAE8-4048-466A-944E-AD197DA34E71}"/>
+                <a16:creationId xmlns="" xmlns:a16="http://schemas.microsoft.com/office/drawing/2014/main" id="{6DA8CAE8-4048-466A-944E-AD197DA34E71}"/>
               </a:ext>
             </a:extLst>
           </p:cNvPr>
@@ -14485,14 +14483,14 @@
           </a:ln>
           <a:extLst>
             <a:ext uri="{909E8E84-426E-40DD-AFC4-6F175D3DCCD1}">
-              <a14:hiddenFill xmlns:a14="http://schemas.microsoft.com/office/drawing/2010/main" xmlns="">
+              <a14:hiddenFill xmlns="" xmlns:a14="http://schemas.microsoft.com/office/drawing/2010/main">
                 <a:solidFill>
                   <a:srgbClr val="FFFFFF"/>
                 </a:solidFill>
               </a14:hiddenFill>
             </a:ext>
             <a:ext uri="{91240B29-F687-4F45-9708-019B960494DF}">
-              <a14:hiddenLine xmlns:a14="http://schemas.microsoft.com/office/drawing/2010/main" xmlns="" w="25400">
+              <a14:hiddenLine xmlns="" xmlns:a14="http://schemas.microsoft.com/office/drawing/2010/main" w="25400">
                 <a:solidFill>
                   <a:srgbClr val="000000"/>
                 </a:solidFill>
@@ -14649,7 +14647,7 @@
           <p:cNvPr id="22" name="TextBox 15">
             <a:extLst>
               <a:ext uri="{FF2B5EF4-FFF2-40B4-BE49-F238E27FC236}">
-                <a16:creationId xmlns:a16="http://schemas.microsoft.com/office/drawing/2014/main" xmlns="" id="{6DA8CAE8-4048-466A-944E-AD197DA34E71}"/>
+                <a16:creationId xmlns="" xmlns:a16="http://schemas.microsoft.com/office/drawing/2014/main" id="{6DA8CAE8-4048-466A-944E-AD197DA34E71}"/>
               </a:ext>
             </a:extLst>
           </p:cNvPr>
@@ -14674,14 +14672,14 @@
           </a:ln>
           <a:extLst>
             <a:ext uri="{909E8E84-426E-40DD-AFC4-6F175D3DCCD1}">
-              <a14:hiddenFill xmlns:a14="http://schemas.microsoft.com/office/drawing/2010/main" xmlns="">
+              <a14:hiddenFill xmlns="" xmlns:a14="http://schemas.microsoft.com/office/drawing/2010/main">
                 <a:solidFill>
                   <a:srgbClr val="FFFFFF"/>
                 </a:solidFill>
               </a14:hiddenFill>
             </a:ext>
             <a:ext uri="{91240B29-F687-4F45-9708-019B960494DF}">
-              <a14:hiddenLine xmlns:a14="http://schemas.microsoft.com/office/drawing/2010/main" xmlns="" w="25400">
+              <a14:hiddenLine xmlns="" xmlns:a14="http://schemas.microsoft.com/office/drawing/2010/main" w="25400">
                 <a:solidFill>
                   <a:srgbClr val="000000"/>
                 </a:solidFill>
@@ -14838,7 +14836,7 @@
           <p:cNvPr id="24" name="TextBox 15">
             <a:extLst>
               <a:ext uri="{FF2B5EF4-FFF2-40B4-BE49-F238E27FC236}">
-                <a16:creationId xmlns:a16="http://schemas.microsoft.com/office/drawing/2014/main" xmlns="" id="{6DA8CAE8-4048-466A-944E-AD197DA34E71}"/>
+                <a16:creationId xmlns="" xmlns:a16="http://schemas.microsoft.com/office/drawing/2014/main" id="{6DA8CAE8-4048-466A-944E-AD197DA34E71}"/>
               </a:ext>
             </a:extLst>
           </p:cNvPr>
@@ -14863,14 +14861,14 @@
           </a:ln>
           <a:extLst>
             <a:ext uri="{909E8E84-426E-40DD-AFC4-6F175D3DCCD1}">
-              <a14:hiddenFill xmlns:a14="http://schemas.microsoft.com/office/drawing/2010/main" xmlns="">
+              <a14:hiddenFill xmlns="" xmlns:a14="http://schemas.microsoft.com/office/drawing/2010/main">
                 <a:solidFill>
                   <a:srgbClr val="FFFFFF"/>
                 </a:solidFill>
               </a14:hiddenFill>
             </a:ext>
             <a:ext uri="{91240B29-F687-4F45-9708-019B960494DF}">
-              <a14:hiddenLine xmlns:a14="http://schemas.microsoft.com/office/drawing/2010/main" xmlns="" w="25400">
+              <a14:hiddenLine xmlns="" xmlns:a14="http://schemas.microsoft.com/office/drawing/2010/main" w="25400">
                 <a:solidFill>
                   <a:srgbClr val="000000"/>
                 </a:solidFill>
@@ -15027,7 +15025,7 @@
           <p:cNvPr id="26" name="TextBox 15">
             <a:extLst>
               <a:ext uri="{FF2B5EF4-FFF2-40B4-BE49-F238E27FC236}">
-                <a16:creationId xmlns:a16="http://schemas.microsoft.com/office/drawing/2014/main" xmlns="" id="{6DA8CAE8-4048-466A-944E-AD197DA34E71}"/>
+                <a16:creationId xmlns="" xmlns:a16="http://schemas.microsoft.com/office/drawing/2014/main" id="{6DA8CAE8-4048-466A-944E-AD197DA34E71}"/>
               </a:ext>
             </a:extLst>
           </p:cNvPr>
@@ -15052,14 +15050,14 @@
           </a:ln>
           <a:extLst>
             <a:ext uri="{909E8E84-426E-40DD-AFC4-6F175D3DCCD1}">
-              <a14:hiddenFill xmlns:a14="http://schemas.microsoft.com/office/drawing/2010/main" xmlns="">
+              <a14:hiddenFill xmlns="" xmlns:a14="http://schemas.microsoft.com/office/drawing/2010/main">
                 <a:solidFill>
                   <a:srgbClr val="FFFFFF"/>
                 </a:solidFill>
               </a14:hiddenFill>
             </a:ext>
             <a:ext uri="{91240B29-F687-4F45-9708-019B960494DF}">
-              <a14:hiddenLine xmlns:a14="http://schemas.microsoft.com/office/drawing/2010/main" xmlns="" w="25400">
+              <a14:hiddenLine xmlns="" xmlns:a14="http://schemas.microsoft.com/office/drawing/2010/main" w="25400">
                 <a:solidFill>
                   <a:srgbClr val="000000"/>
                 </a:solidFill>
@@ -15216,7 +15214,7 @@
           <p:cNvPr id="27" name="TextBox 15">
             <a:extLst>
               <a:ext uri="{FF2B5EF4-FFF2-40B4-BE49-F238E27FC236}">
-                <a16:creationId xmlns:a16="http://schemas.microsoft.com/office/drawing/2014/main" xmlns="" id="{6DA8CAE8-4048-466A-944E-AD197DA34E71}"/>
+                <a16:creationId xmlns="" xmlns:a16="http://schemas.microsoft.com/office/drawing/2014/main" id="{6DA8CAE8-4048-466A-944E-AD197DA34E71}"/>
               </a:ext>
             </a:extLst>
           </p:cNvPr>
@@ -15241,14 +15239,14 @@
           </a:ln>
           <a:extLst>
             <a:ext uri="{909E8E84-426E-40DD-AFC4-6F175D3DCCD1}">
-              <a14:hiddenFill xmlns:a14="http://schemas.microsoft.com/office/drawing/2010/main" xmlns="">
+              <a14:hiddenFill xmlns="" xmlns:a14="http://schemas.microsoft.com/office/drawing/2010/main">
                 <a:solidFill>
                   <a:srgbClr val="FFFFFF"/>
                 </a:solidFill>
               </a14:hiddenFill>
             </a:ext>
             <a:ext uri="{91240B29-F687-4F45-9708-019B960494DF}">
-              <a14:hiddenLine xmlns:a14="http://schemas.microsoft.com/office/drawing/2010/main" xmlns="" w="25400">
+              <a14:hiddenLine xmlns="" xmlns:a14="http://schemas.microsoft.com/office/drawing/2010/main" w="25400">
                 <a:solidFill>
                   <a:srgbClr val="000000"/>
                 </a:solidFill>
@@ -15589,7 +15587,7 @@
           <p:cNvPr id="9" name="직사각형 8">
             <a:extLst>
               <a:ext uri="{FF2B5EF4-FFF2-40B4-BE49-F238E27FC236}">
-                <a16:creationId xmlns:a16="http://schemas.microsoft.com/office/drawing/2014/main" xmlns="" id="{52C06290-92E4-47CC-9CC9-DB9CCC3277D4}"/>
+                <a16:creationId xmlns="" xmlns:a16="http://schemas.microsoft.com/office/drawing/2014/main" id="{52C06290-92E4-47CC-9CC9-DB9CCC3277D4}"/>
               </a:ext>
             </a:extLst>
           </p:cNvPr>
@@ -15649,7 +15647,7 @@
           <p:cNvPr id="2" name="직선 연결선 1">
             <a:extLst>
               <a:ext uri="{FF2B5EF4-FFF2-40B4-BE49-F238E27FC236}">
-                <a16:creationId xmlns:a16="http://schemas.microsoft.com/office/drawing/2014/main" xmlns="" id="{3BB1799E-5391-4610-94E3-C4A3F0465DAD}"/>
+                <a16:creationId xmlns="" xmlns:a16="http://schemas.microsoft.com/office/drawing/2014/main" id="{3BB1799E-5391-4610-94E3-C4A3F0465DAD}"/>
               </a:ext>
             </a:extLst>
           </p:cNvPr>
@@ -15690,7 +15688,7 @@
           <p:cNvPr id="4" name="TextBox 3">
             <a:extLst>
               <a:ext uri="{FF2B5EF4-FFF2-40B4-BE49-F238E27FC236}">
-                <a16:creationId xmlns:a16="http://schemas.microsoft.com/office/drawing/2014/main" xmlns="" id="{2D3F434A-EE07-4CDA-B1CC-066BAF1F8757}"/>
+                <a16:creationId xmlns="" xmlns:a16="http://schemas.microsoft.com/office/drawing/2014/main" id="{2D3F434A-EE07-4CDA-B1CC-066BAF1F8757}"/>
               </a:ext>
             </a:extLst>
           </p:cNvPr>
@@ -15747,7 +15745,7 @@
           <p:cNvPr id="6" name="TextBox 5">
             <a:extLst>
               <a:ext uri="{FF2B5EF4-FFF2-40B4-BE49-F238E27FC236}">
-                <a16:creationId xmlns:a16="http://schemas.microsoft.com/office/drawing/2014/main" xmlns="" id="{2F23500B-C3A1-4ECC-9944-437E42C3A0BF}"/>
+                <a16:creationId xmlns="" xmlns:a16="http://schemas.microsoft.com/office/drawing/2014/main" id="{2F23500B-C3A1-4ECC-9944-437E42C3A0BF}"/>
               </a:ext>
             </a:extLst>
           </p:cNvPr>
@@ -15834,7 +15832,7 @@
           <p:cNvPr id="67" name="TextBox 15">
             <a:extLst>
               <a:ext uri="{FF2B5EF4-FFF2-40B4-BE49-F238E27FC236}">
-                <a16:creationId xmlns:a16="http://schemas.microsoft.com/office/drawing/2014/main" xmlns="" id="{6DA8CAE8-4048-466A-944E-AD197DA34E71}"/>
+                <a16:creationId xmlns="" xmlns:a16="http://schemas.microsoft.com/office/drawing/2014/main" id="{6DA8CAE8-4048-466A-944E-AD197DA34E71}"/>
               </a:ext>
             </a:extLst>
           </p:cNvPr>
@@ -15857,14 +15855,14 @@
           </a:ln>
           <a:extLst>
             <a:ext uri="{909E8E84-426E-40DD-AFC4-6F175D3DCCD1}">
-              <a14:hiddenFill xmlns:a14="http://schemas.microsoft.com/office/drawing/2010/main" xmlns="">
+              <a14:hiddenFill xmlns="" xmlns:a14="http://schemas.microsoft.com/office/drawing/2010/main">
                 <a:solidFill>
                   <a:srgbClr val="FFFFFF"/>
                 </a:solidFill>
               </a14:hiddenFill>
             </a:ext>
             <a:ext uri="{91240B29-F687-4F45-9708-019B960494DF}">
-              <a14:hiddenLine xmlns:a14="http://schemas.microsoft.com/office/drawing/2010/main" xmlns="" w="25400">
+              <a14:hiddenLine xmlns="" xmlns:a14="http://schemas.microsoft.com/office/drawing/2010/main" w="25400">
                 <a:solidFill>
                   <a:srgbClr val="000000"/>
                 </a:solidFill>
@@ -16041,7 +16039,7 @@
           <p:cNvPr id="10" name="TextBox 15">
             <a:extLst>
               <a:ext uri="{FF2B5EF4-FFF2-40B4-BE49-F238E27FC236}">
-                <a16:creationId xmlns:a16="http://schemas.microsoft.com/office/drawing/2014/main" xmlns="" id="{6DA8CAE8-4048-466A-944E-AD197DA34E71}"/>
+                <a16:creationId xmlns="" xmlns:a16="http://schemas.microsoft.com/office/drawing/2014/main" id="{6DA8CAE8-4048-466A-944E-AD197DA34E71}"/>
               </a:ext>
             </a:extLst>
           </p:cNvPr>
@@ -16066,14 +16064,14 @@
           </a:ln>
           <a:extLst>
             <a:ext uri="{909E8E84-426E-40DD-AFC4-6F175D3DCCD1}">
-              <a14:hiddenFill xmlns:a14="http://schemas.microsoft.com/office/drawing/2010/main" xmlns="">
+              <a14:hiddenFill xmlns="" xmlns:a14="http://schemas.microsoft.com/office/drawing/2010/main">
                 <a:solidFill>
                   <a:srgbClr val="FFFFFF"/>
                 </a:solidFill>
               </a14:hiddenFill>
             </a:ext>
             <a:ext uri="{91240B29-F687-4F45-9708-019B960494DF}">
-              <a14:hiddenLine xmlns:a14="http://schemas.microsoft.com/office/drawing/2010/main" xmlns="" w="25400">
+              <a14:hiddenLine xmlns="" xmlns:a14="http://schemas.microsoft.com/office/drawing/2010/main" w="25400">
                 <a:solidFill>
                   <a:srgbClr val="000000"/>
                 </a:solidFill>
@@ -16230,7 +16228,7 @@
           <p:cNvPr id="11" name="TextBox 15">
             <a:extLst>
               <a:ext uri="{FF2B5EF4-FFF2-40B4-BE49-F238E27FC236}">
-                <a16:creationId xmlns:a16="http://schemas.microsoft.com/office/drawing/2014/main" xmlns="" id="{6DA8CAE8-4048-466A-944E-AD197DA34E71}"/>
+                <a16:creationId xmlns="" xmlns:a16="http://schemas.microsoft.com/office/drawing/2014/main" id="{6DA8CAE8-4048-466A-944E-AD197DA34E71}"/>
               </a:ext>
             </a:extLst>
           </p:cNvPr>
@@ -16255,14 +16253,14 @@
           </a:ln>
           <a:extLst>
             <a:ext uri="{909E8E84-426E-40DD-AFC4-6F175D3DCCD1}">
-              <a14:hiddenFill xmlns:a14="http://schemas.microsoft.com/office/drawing/2010/main" xmlns="">
+              <a14:hiddenFill xmlns="" xmlns:a14="http://schemas.microsoft.com/office/drawing/2010/main">
                 <a:solidFill>
                   <a:srgbClr val="FFFFFF"/>
                 </a:solidFill>
               </a14:hiddenFill>
             </a:ext>
             <a:ext uri="{91240B29-F687-4F45-9708-019B960494DF}">
-              <a14:hiddenLine xmlns:a14="http://schemas.microsoft.com/office/drawing/2010/main" xmlns="" w="25400">
+              <a14:hiddenLine xmlns="" xmlns:a14="http://schemas.microsoft.com/office/drawing/2010/main" w="25400">
                 <a:solidFill>
                   <a:srgbClr val="000000"/>
                 </a:solidFill>
@@ -16419,7 +16417,7 @@
           <p:cNvPr id="12" name="TextBox 15">
             <a:extLst>
               <a:ext uri="{FF2B5EF4-FFF2-40B4-BE49-F238E27FC236}">
-                <a16:creationId xmlns:a16="http://schemas.microsoft.com/office/drawing/2014/main" xmlns="" id="{6DA8CAE8-4048-466A-944E-AD197DA34E71}"/>
+                <a16:creationId xmlns="" xmlns:a16="http://schemas.microsoft.com/office/drawing/2014/main" id="{6DA8CAE8-4048-466A-944E-AD197DA34E71}"/>
               </a:ext>
             </a:extLst>
           </p:cNvPr>
@@ -16444,14 +16442,14 @@
           </a:ln>
           <a:extLst>
             <a:ext uri="{909E8E84-426E-40DD-AFC4-6F175D3DCCD1}">
-              <a14:hiddenFill xmlns:a14="http://schemas.microsoft.com/office/drawing/2010/main" xmlns="">
+              <a14:hiddenFill xmlns="" xmlns:a14="http://schemas.microsoft.com/office/drawing/2010/main">
                 <a:solidFill>
                   <a:srgbClr val="FFFFFF"/>
                 </a:solidFill>
               </a14:hiddenFill>
             </a:ext>
             <a:ext uri="{91240B29-F687-4F45-9708-019B960494DF}">
-              <a14:hiddenLine xmlns:a14="http://schemas.microsoft.com/office/drawing/2010/main" xmlns="" w="25400">
+              <a14:hiddenLine xmlns="" xmlns:a14="http://schemas.microsoft.com/office/drawing/2010/main" w="25400">
                 <a:solidFill>
                   <a:srgbClr val="000000"/>
                 </a:solidFill>
@@ -16608,7 +16606,7 @@
           <p:cNvPr id="13" name="TextBox 15">
             <a:extLst>
               <a:ext uri="{FF2B5EF4-FFF2-40B4-BE49-F238E27FC236}">
-                <a16:creationId xmlns:a16="http://schemas.microsoft.com/office/drawing/2014/main" xmlns="" id="{6DA8CAE8-4048-466A-944E-AD197DA34E71}"/>
+                <a16:creationId xmlns="" xmlns:a16="http://schemas.microsoft.com/office/drawing/2014/main" id="{6DA8CAE8-4048-466A-944E-AD197DA34E71}"/>
               </a:ext>
             </a:extLst>
           </p:cNvPr>
@@ -16633,14 +16631,14 @@
           </a:ln>
           <a:extLst>
             <a:ext uri="{909E8E84-426E-40DD-AFC4-6F175D3DCCD1}">
-              <a14:hiddenFill xmlns:a14="http://schemas.microsoft.com/office/drawing/2010/main" xmlns="">
+              <a14:hiddenFill xmlns="" xmlns:a14="http://schemas.microsoft.com/office/drawing/2010/main">
                 <a:solidFill>
                   <a:srgbClr val="FFFFFF"/>
                 </a:solidFill>
               </a14:hiddenFill>
             </a:ext>
             <a:ext uri="{91240B29-F687-4F45-9708-019B960494DF}">
-              <a14:hiddenLine xmlns:a14="http://schemas.microsoft.com/office/drawing/2010/main" xmlns="" w="25400">
+              <a14:hiddenLine xmlns="" xmlns:a14="http://schemas.microsoft.com/office/drawing/2010/main" w="25400">
                 <a:solidFill>
                   <a:srgbClr val="000000"/>
                 </a:solidFill>
@@ -16797,7 +16795,7 @@
           <p:cNvPr id="14" name="TextBox 15">
             <a:extLst>
               <a:ext uri="{FF2B5EF4-FFF2-40B4-BE49-F238E27FC236}">
-                <a16:creationId xmlns:a16="http://schemas.microsoft.com/office/drawing/2014/main" xmlns="" id="{6DA8CAE8-4048-466A-944E-AD197DA34E71}"/>
+                <a16:creationId xmlns="" xmlns:a16="http://schemas.microsoft.com/office/drawing/2014/main" id="{6DA8CAE8-4048-466A-944E-AD197DA34E71}"/>
               </a:ext>
             </a:extLst>
           </p:cNvPr>
@@ -16822,14 +16820,14 @@
           </a:ln>
           <a:extLst>
             <a:ext uri="{909E8E84-426E-40DD-AFC4-6F175D3DCCD1}">
-              <a14:hiddenFill xmlns:a14="http://schemas.microsoft.com/office/drawing/2010/main" xmlns="">
+              <a14:hiddenFill xmlns="" xmlns:a14="http://schemas.microsoft.com/office/drawing/2010/main">
                 <a:solidFill>
                   <a:srgbClr val="FFFFFF"/>
                 </a:solidFill>
               </a14:hiddenFill>
             </a:ext>
             <a:ext uri="{91240B29-F687-4F45-9708-019B960494DF}">
-              <a14:hiddenLine xmlns:a14="http://schemas.microsoft.com/office/drawing/2010/main" xmlns="" w="25400">
+              <a14:hiddenLine xmlns="" xmlns:a14="http://schemas.microsoft.com/office/drawing/2010/main" w="25400">
                 <a:solidFill>
                   <a:srgbClr val="000000"/>
                 </a:solidFill>
@@ -17170,7 +17168,7 @@
           <p:cNvPr id="9" name="직사각형 8">
             <a:extLst>
               <a:ext uri="{FF2B5EF4-FFF2-40B4-BE49-F238E27FC236}">
-                <a16:creationId xmlns:a16="http://schemas.microsoft.com/office/drawing/2014/main" xmlns="" id="{4FA8AFAB-3045-4174-A48E-93BEC3CDB166}"/>
+                <a16:creationId xmlns="" xmlns:a16="http://schemas.microsoft.com/office/drawing/2014/main" id="{4FA8AFAB-3045-4174-A48E-93BEC3CDB166}"/>
               </a:ext>
             </a:extLst>
           </p:cNvPr>
@@ -17230,7 +17228,7 @@
           <p:cNvPr id="2" name="직선 연결선 1">
             <a:extLst>
               <a:ext uri="{FF2B5EF4-FFF2-40B4-BE49-F238E27FC236}">
-                <a16:creationId xmlns:a16="http://schemas.microsoft.com/office/drawing/2014/main" xmlns="" id="{A05F21B3-8C48-4349-BCCE-7C502034C8EB}"/>
+                <a16:creationId xmlns="" xmlns:a16="http://schemas.microsoft.com/office/drawing/2014/main" id="{A05F21B3-8C48-4349-BCCE-7C502034C8EB}"/>
               </a:ext>
             </a:extLst>
           </p:cNvPr>
@@ -17271,7 +17269,7 @@
           <p:cNvPr id="10" name="TextBox 9">
             <a:extLst>
               <a:ext uri="{FF2B5EF4-FFF2-40B4-BE49-F238E27FC236}">
-                <a16:creationId xmlns:a16="http://schemas.microsoft.com/office/drawing/2014/main" xmlns="" id="{2D3F434A-EE07-4CDA-B1CC-066BAF1F8757}"/>
+                <a16:creationId xmlns="" xmlns:a16="http://schemas.microsoft.com/office/drawing/2014/main" id="{2D3F434A-EE07-4CDA-B1CC-066BAF1F8757}"/>
               </a:ext>
             </a:extLst>
           </p:cNvPr>
@@ -17328,7 +17326,7 @@
           <p:cNvPr id="7" name="TextBox 6">
             <a:extLst>
               <a:ext uri="{FF2B5EF4-FFF2-40B4-BE49-F238E27FC236}">
-                <a16:creationId xmlns:a16="http://schemas.microsoft.com/office/drawing/2014/main" xmlns="" id="{2D4EEC55-5E16-4278-A38C-AA871B05A739}"/>
+                <a16:creationId xmlns="" xmlns:a16="http://schemas.microsoft.com/office/drawing/2014/main" id="{2D4EEC55-5E16-4278-A38C-AA871B05A739}"/>
               </a:ext>
             </a:extLst>
           </p:cNvPr>
@@ -17395,7 +17393,7 @@
           <p:cNvPr id="8" name="TextBox 7">
             <a:extLst>
               <a:ext uri="{FF2B5EF4-FFF2-40B4-BE49-F238E27FC236}">
-                <a16:creationId xmlns:a16="http://schemas.microsoft.com/office/drawing/2014/main" xmlns="" id="{A0A3E0FF-CB76-4657-803A-0B64F89C8697}"/>
+                <a16:creationId xmlns="" xmlns:a16="http://schemas.microsoft.com/office/drawing/2014/main" id="{A0A3E0FF-CB76-4657-803A-0B64F89C8697}"/>
               </a:ext>
             </a:extLst>
           </p:cNvPr>
@@ -17416,14 +17414,14 @@
           </a:ln>
           <a:extLst>
             <a:ext uri="{909E8E84-426E-40DD-AFC4-6F175D3DCCD1}">
-              <a14:hiddenFill xmlns:a14="http://schemas.microsoft.com/office/drawing/2010/main" xmlns="">
+              <a14:hiddenFill xmlns="" xmlns:a14="http://schemas.microsoft.com/office/drawing/2010/main">
                 <a:solidFill>
                   <a:srgbClr val="FFFFFF"/>
                 </a:solidFill>
               </a14:hiddenFill>
             </a:ext>
             <a:ext uri="{91240B29-F687-4F45-9708-019B960494DF}">
-              <a14:hiddenLine xmlns:a14="http://schemas.microsoft.com/office/drawing/2010/main" xmlns="" w="25400">
+              <a14:hiddenLine xmlns="" xmlns:a14="http://schemas.microsoft.com/office/drawing/2010/main" w="25400">
                 <a:solidFill>
                   <a:srgbClr val="000000"/>
                 </a:solidFill>
@@ -17471,7 +17469,7 @@
           <p:cNvPr id="11" name="TextBox 10">
             <a:extLst>
               <a:ext uri="{FF2B5EF4-FFF2-40B4-BE49-F238E27FC236}">
-                <a16:creationId xmlns:a16="http://schemas.microsoft.com/office/drawing/2014/main" xmlns="" id="{4DA86BD8-A5D8-49BA-A486-A116A7526E94}"/>
+                <a16:creationId xmlns="" xmlns:a16="http://schemas.microsoft.com/office/drawing/2014/main" id="{4DA86BD8-A5D8-49BA-A486-A116A7526E94}"/>
               </a:ext>
             </a:extLst>
           </p:cNvPr>
@@ -17492,14 +17490,14 @@
           </a:ln>
           <a:extLst>
             <a:ext uri="{909E8E84-426E-40DD-AFC4-6F175D3DCCD1}">
-              <a14:hiddenFill xmlns:a14="http://schemas.microsoft.com/office/drawing/2010/main" xmlns="">
+              <a14:hiddenFill xmlns="" xmlns:a14="http://schemas.microsoft.com/office/drawing/2010/main">
                 <a:solidFill>
                   <a:srgbClr val="FFFFFF"/>
                 </a:solidFill>
               </a14:hiddenFill>
             </a:ext>
             <a:ext uri="{91240B29-F687-4F45-9708-019B960494DF}">
-              <a14:hiddenLine xmlns:a14="http://schemas.microsoft.com/office/drawing/2010/main" xmlns="" w="25400">
+              <a14:hiddenLine xmlns="" xmlns:a14="http://schemas.microsoft.com/office/drawing/2010/main" w="25400">
                 <a:solidFill>
                   <a:srgbClr val="000000"/>
                 </a:solidFill>
@@ -17571,7 +17569,7 @@
           <p:cNvPr id="12" name="TextBox 11">
             <a:extLst>
               <a:ext uri="{FF2B5EF4-FFF2-40B4-BE49-F238E27FC236}">
-                <a16:creationId xmlns:a16="http://schemas.microsoft.com/office/drawing/2014/main" xmlns="" id="{4718770D-5FB1-4698-B17D-1009256CFC22}"/>
+                <a16:creationId xmlns="" xmlns:a16="http://schemas.microsoft.com/office/drawing/2014/main" id="{4718770D-5FB1-4698-B17D-1009256CFC22}"/>
               </a:ext>
             </a:extLst>
           </p:cNvPr>
@@ -17592,14 +17590,14 @@
           </a:ln>
           <a:extLst>
             <a:ext uri="{909E8E84-426E-40DD-AFC4-6F175D3DCCD1}">
-              <a14:hiddenFill xmlns:a14="http://schemas.microsoft.com/office/drawing/2010/main" xmlns="">
+              <a14:hiddenFill xmlns="" xmlns:a14="http://schemas.microsoft.com/office/drawing/2010/main">
                 <a:solidFill>
                   <a:srgbClr val="FFFFFF"/>
                 </a:solidFill>
               </a14:hiddenFill>
             </a:ext>
             <a:ext uri="{91240B29-F687-4F45-9708-019B960494DF}">
-              <a14:hiddenLine xmlns:a14="http://schemas.microsoft.com/office/drawing/2010/main" xmlns="" w="25400">
+              <a14:hiddenLine xmlns="" xmlns:a14="http://schemas.microsoft.com/office/drawing/2010/main" w="25400">
                 <a:solidFill>
                   <a:srgbClr val="000000"/>
                 </a:solidFill>
@@ -17764,7 +17762,7 @@
           <p:cNvPr id="14" name="직선 연결선 13">
             <a:extLst>
               <a:ext uri="{FF2B5EF4-FFF2-40B4-BE49-F238E27FC236}">
-                <a16:creationId xmlns:a16="http://schemas.microsoft.com/office/drawing/2014/main" xmlns="" id="{B6E3A591-D165-4F39-B32E-4D9ACC83079F}"/>
+                <a16:creationId xmlns="" xmlns:a16="http://schemas.microsoft.com/office/drawing/2014/main" id="{B6E3A591-D165-4F39-B32E-4D9ACC83079F}"/>
               </a:ext>
             </a:extLst>
           </p:cNvPr>
@@ -17802,7 +17800,7 @@
           <p:cNvPr id="15" name="TextBox 14">
             <a:extLst>
               <a:ext uri="{FF2B5EF4-FFF2-40B4-BE49-F238E27FC236}">
-                <a16:creationId xmlns:a16="http://schemas.microsoft.com/office/drawing/2014/main" xmlns="" id="{4DA86BD8-A5D8-49BA-A486-A116A7526E94}"/>
+                <a16:creationId xmlns="" xmlns:a16="http://schemas.microsoft.com/office/drawing/2014/main" id="{4DA86BD8-A5D8-49BA-A486-A116A7526E94}"/>
               </a:ext>
             </a:extLst>
           </p:cNvPr>
@@ -17823,14 +17821,14 @@
           </a:ln>
           <a:extLst>
             <a:ext uri="{909E8E84-426E-40DD-AFC4-6F175D3DCCD1}">
-              <a14:hiddenFill xmlns:a14="http://schemas.microsoft.com/office/drawing/2010/main" xmlns="">
+              <a14:hiddenFill xmlns="" xmlns:a14="http://schemas.microsoft.com/office/drawing/2010/main">
                 <a:solidFill>
                   <a:srgbClr val="FFFFFF"/>
                 </a:solidFill>
               </a14:hiddenFill>
             </a:ext>
             <a:ext uri="{91240B29-F687-4F45-9708-019B960494DF}">
-              <a14:hiddenLine xmlns:a14="http://schemas.microsoft.com/office/drawing/2010/main" xmlns="" w="25400">
+              <a14:hiddenLine xmlns="" xmlns:a14="http://schemas.microsoft.com/office/drawing/2010/main" w="25400">
                 <a:solidFill>
                   <a:srgbClr val="000000"/>
                 </a:solidFill>
@@ -17887,7 +17885,7 @@
           <p:cNvPr id="16" name="직선 연결선 15">
             <a:extLst>
               <a:ext uri="{FF2B5EF4-FFF2-40B4-BE49-F238E27FC236}">
-                <a16:creationId xmlns:a16="http://schemas.microsoft.com/office/drawing/2014/main" xmlns="" id="{B6E3A591-D165-4F39-B32E-4D9ACC83079F}"/>
+                <a16:creationId xmlns="" xmlns:a16="http://schemas.microsoft.com/office/drawing/2014/main" id="{B6E3A591-D165-4F39-B32E-4D9ACC83079F}"/>
               </a:ext>
             </a:extLst>
           </p:cNvPr>
@@ -17951,7 +17949,7 @@
           <p:cNvPr id="9" name="직사각형 8">
             <a:extLst>
               <a:ext uri="{FF2B5EF4-FFF2-40B4-BE49-F238E27FC236}">
-                <a16:creationId xmlns:a16="http://schemas.microsoft.com/office/drawing/2014/main" xmlns="" id="{4FA8AFAB-3045-4174-A48E-93BEC3CDB166}"/>
+                <a16:creationId xmlns="" xmlns:a16="http://schemas.microsoft.com/office/drawing/2014/main" id="{4FA8AFAB-3045-4174-A48E-93BEC3CDB166}"/>
               </a:ext>
             </a:extLst>
           </p:cNvPr>
@@ -18011,7 +18009,7 @@
           <p:cNvPr id="2" name="직선 연결선 1">
             <a:extLst>
               <a:ext uri="{FF2B5EF4-FFF2-40B4-BE49-F238E27FC236}">
-                <a16:creationId xmlns:a16="http://schemas.microsoft.com/office/drawing/2014/main" xmlns="" id="{A05F21B3-8C48-4349-BCCE-7C502034C8EB}"/>
+                <a16:creationId xmlns="" xmlns:a16="http://schemas.microsoft.com/office/drawing/2014/main" id="{A05F21B3-8C48-4349-BCCE-7C502034C8EB}"/>
               </a:ext>
             </a:extLst>
           </p:cNvPr>
@@ -18052,7 +18050,7 @@
           <p:cNvPr id="10" name="TextBox 9">
             <a:extLst>
               <a:ext uri="{FF2B5EF4-FFF2-40B4-BE49-F238E27FC236}">
-                <a16:creationId xmlns:a16="http://schemas.microsoft.com/office/drawing/2014/main" xmlns="" id="{2D3F434A-EE07-4CDA-B1CC-066BAF1F8757}"/>
+                <a16:creationId xmlns="" xmlns:a16="http://schemas.microsoft.com/office/drawing/2014/main" id="{2D3F434A-EE07-4CDA-B1CC-066BAF1F8757}"/>
               </a:ext>
             </a:extLst>
           </p:cNvPr>
@@ -18109,7 +18107,7 @@
           <p:cNvPr id="7" name="TextBox 6">
             <a:extLst>
               <a:ext uri="{FF2B5EF4-FFF2-40B4-BE49-F238E27FC236}">
-                <a16:creationId xmlns:a16="http://schemas.microsoft.com/office/drawing/2014/main" xmlns="" id="{2D4EEC55-5E16-4278-A38C-AA871B05A739}"/>
+                <a16:creationId xmlns="" xmlns:a16="http://schemas.microsoft.com/office/drawing/2014/main" id="{2D4EEC55-5E16-4278-A38C-AA871B05A739}"/>
               </a:ext>
             </a:extLst>
           </p:cNvPr>
@@ -18176,7 +18174,7 @@
           <p:cNvPr id="8" name="TextBox 7">
             <a:extLst>
               <a:ext uri="{FF2B5EF4-FFF2-40B4-BE49-F238E27FC236}">
-                <a16:creationId xmlns:a16="http://schemas.microsoft.com/office/drawing/2014/main" xmlns="" id="{A0A3E0FF-CB76-4657-803A-0B64F89C8697}"/>
+                <a16:creationId xmlns="" xmlns:a16="http://schemas.microsoft.com/office/drawing/2014/main" id="{A0A3E0FF-CB76-4657-803A-0B64F89C8697}"/>
               </a:ext>
             </a:extLst>
           </p:cNvPr>
@@ -18197,14 +18195,14 @@
           </a:ln>
           <a:extLst>
             <a:ext uri="{909E8E84-426E-40DD-AFC4-6F175D3DCCD1}">
-              <a14:hiddenFill xmlns:a14="http://schemas.microsoft.com/office/drawing/2010/main" xmlns="">
+              <a14:hiddenFill xmlns="" xmlns:a14="http://schemas.microsoft.com/office/drawing/2010/main">
                 <a:solidFill>
                   <a:srgbClr val="FFFFFF"/>
                 </a:solidFill>
               </a14:hiddenFill>
             </a:ext>
             <a:ext uri="{91240B29-F687-4F45-9708-019B960494DF}">
-              <a14:hiddenLine xmlns:a14="http://schemas.microsoft.com/office/drawing/2010/main" xmlns="" w="25400">
+              <a14:hiddenLine xmlns="" xmlns:a14="http://schemas.microsoft.com/office/drawing/2010/main" w="25400">
                 <a:solidFill>
                   <a:srgbClr val="000000"/>
                 </a:solidFill>
@@ -18562,14 +18560,14 @@
         </a:ln>
         <a:extLst>
           <a:ext uri="{909E8E84-426E-40DD-AFC4-6F175D3DCCD1}">
-            <a14:hiddenFill xmlns:a14="http://schemas.microsoft.com/office/drawing/2010/main" xmlns="">
+            <a14:hiddenFill xmlns="" xmlns:a14="http://schemas.microsoft.com/office/drawing/2010/main">
               <a:solidFill>
                 <a:srgbClr val="FFFFFF"/>
               </a:solidFill>
             </a14:hiddenFill>
           </a:ext>
           <a:ext uri="{91240B29-F687-4F45-9708-019B960494DF}">
-            <a14:hiddenLine xmlns:a14="http://schemas.microsoft.com/office/drawing/2010/main" xmlns="" w="25400">
+            <a14:hiddenLine xmlns="" xmlns:a14="http://schemas.microsoft.com/office/drawing/2010/main" w="25400">
               <a:solidFill>
                 <a:srgbClr val="000000"/>
               </a:solidFill>
@@ -18599,7 +18597,7 @@
   <a:extraClrSchemeLst/>
   <a:extLst>
     <a:ext uri="{05A4C25C-085E-4340-85A3-A5531E510DB2}">
-      <thm15:themeFamily xmlns:thm15="http://schemas.microsoft.com/office/thememl/2012/main" xmlns="" name="Office Theme" id="{62F939B6-93AF-4DB8-9C6B-D6C7DFDC589F}" vid="{4A3C46E8-61CC-4603-A589-7422A47A8E4A}"/>
+      <thm15:themeFamily xmlns="" xmlns:thm15="http://schemas.microsoft.com/office/thememl/2012/main" name="Office Theme" id="{62F939B6-93AF-4DB8-9C6B-D6C7DFDC589F}" vid="{4A3C46E8-61CC-4603-A589-7422A47A8E4A}"/>
     </a:ext>
   </a:extLst>
 </a:theme>
